--- a/ML-DL学习总结/Numpy笔记.pptx
+++ b/ML-DL学习总结/Numpy笔记.pptx
@@ -6,16 +6,1561 @@
     <p:sldMasterId id="2147483661" r:id="rId3"/>
     <p:sldMasterId id="2147483674" r:id="rId4"/>
   </p:sldMasterIdLst>
+  <p:notesMasterIdLst>
+    <p:notesMasterId r:id="rId5"/>
+  </p:notesMasterIdLst>
   <p:sldIdLst>
-    <p:sldId id="256" r:id="rId5"/>
-    <p:sldId id="257" r:id="rId6"/>
-    <p:sldId id="258" r:id="rId7"/>
-    <p:sldId id="259" r:id="rId8"/>
-    <p:sldId id="260" r:id="rId9"/>
+    <p:sldId id="256" r:id="rId6"/>
+    <p:sldId id="257" r:id="rId7"/>
+    <p:sldId id="258" r:id="rId8"/>
+    <p:sldId id="259" r:id="rId9"/>
+    <p:sldId id="260" r:id="rId10"/>
+    <p:sldId id="261" r:id="rId11"/>
   </p:sldIdLst>
   <p:sldSz cx="12192000" cy="6858000"/>
   <p:notesSz cx="7559675" cy="10691812"/>
 </p:presentation>
+</file>
+
+<file path=ppt/notesMasters/notesMaster1.xml><?xml version="1.0" encoding="utf-8"?>
+<p:notesMaster xmlns:a="http://schemas.openxmlformats.org/drawingml/2006/main" xmlns:p="http://schemas.openxmlformats.org/presentationml/2006/main" xmlns:r="http://schemas.openxmlformats.org/officeDocument/2006/relationships" xmlns:p14="http://schemas.microsoft.com/office/powerpoint/2010/main" xmlns:p15="http://schemas.microsoft.com/office/powerpoint/2012/main" xmlns:mc="http://schemas.openxmlformats.org/markup-compatibility/2006">
+  <p:cSld>
+    <p:spTree>
+      <p:nvGrpSpPr>
+        <p:cNvPr id="1" name=""/>
+        <p:cNvGrpSpPr/>
+        <p:nvPr/>
+      </p:nvGrpSpPr>
+      <p:grpSpPr>
+        <a:xfrm>
+          <a:off x="0" y="0"/>
+          <a:ext cx="0" cy="0"/>
+          <a:chOff x="0" y="0"/>
+          <a:chExt cx="0" cy="0"/>
+        </a:xfrm>
+      </p:grpSpPr>
+      <p:sp>
+        <p:nvSpPr>
+          <p:cNvPr id="108" name="PlaceHolder 1"/>
+          <p:cNvSpPr>
+            <a:spLocks noGrp="1"/>
+          </p:cNvSpPr>
+          <p:nvPr>
+            <p:ph type="body"/>
+          </p:nvPr>
+        </p:nvSpPr>
+        <p:spPr>
+          <a:xfrm>
+            <a:off x="756000" y="5078520"/>
+            <a:ext cx="6047640" cy="4811040"/>
+          </a:xfrm>
+          <a:prstGeom prst="rect">
+            <a:avLst/>
+          </a:prstGeom>
+        </p:spPr>
+        <p:txBody>
+          <a:bodyPr lIns="0" rIns="0" tIns="0" bIns="0"/>
+          <a:p>
+            <a:r>
+              <a:rPr b="0" lang="en-US" sz="2000" spc="-1" strike="noStrike">
+                <a:solidFill>
+                  <a:srgbClr val="000000"/>
+                </a:solidFill>
+                <a:uFill>
+                  <a:solidFill>
+                    <a:srgbClr val="ffffff"/>
+                  </a:solidFill>
+                </a:uFill>
+                <a:latin typeface="Arial"/>
+              </a:rPr>
+              <a:t>单击编辑备注格式</a:t>
+            </a:r>
+            <a:endParaRPr b="0" lang="en-US" sz="2000" spc="-1" strike="noStrike">
+              <a:solidFill>
+                <a:srgbClr val="000000"/>
+              </a:solidFill>
+              <a:uFill>
+                <a:solidFill>
+                  <a:srgbClr val="ffffff"/>
+                </a:solidFill>
+              </a:uFill>
+              <a:latin typeface="Arial"/>
+            </a:endParaRPr>
+          </a:p>
+        </p:txBody>
+      </p:sp>
+      <p:sp>
+        <p:nvSpPr>
+          <p:cNvPr id="109" name="PlaceHolder 2"/>
+          <p:cNvSpPr>
+            <a:spLocks noGrp="1"/>
+          </p:cNvSpPr>
+          <p:nvPr>
+            <p:ph type="hdr"/>
+          </p:nvPr>
+        </p:nvSpPr>
+        <p:spPr>
+          <a:xfrm>
+            <a:off x="0" y="0"/>
+            <a:ext cx="3280680" cy="534240"/>
+          </a:xfrm>
+          <a:prstGeom prst="rect">
+            <a:avLst/>
+          </a:prstGeom>
+        </p:spPr>
+        <p:txBody>
+          <a:bodyPr lIns="0" rIns="0" tIns="0" bIns="0"/>
+          <a:p>
+            <a:r>
+              <a:rPr b="0" lang="en-US" sz="1400" spc="-1" strike="noStrike">
+                <a:solidFill>
+                  <a:srgbClr val="000000"/>
+                </a:solidFill>
+                <a:uFill>
+                  <a:solidFill>
+                    <a:srgbClr val="ffffff"/>
+                  </a:solidFill>
+                </a:uFill>
+                <a:latin typeface="Times New Roman"/>
+              </a:rPr>
+              <a:t> </a:t>
+            </a:r>
+            <a:endParaRPr b="0" lang="en-US" sz="1400" spc="-1" strike="noStrike">
+              <a:solidFill>
+                <a:srgbClr val="000000"/>
+              </a:solidFill>
+              <a:uFill>
+                <a:solidFill>
+                  <a:srgbClr val="ffffff"/>
+                </a:solidFill>
+              </a:uFill>
+              <a:latin typeface="Times New Roman"/>
+            </a:endParaRPr>
+          </a:p>
+        </p:txBody>
+      </p:sp>
+      <p:sp>
+        <p:nvSpPr>
+          <p:cNvPr id="110" name="PlaceHolder 3"/>
+          <p:cNvSpPr>
+            <a:spLocks noGrp="1"/>
+          </p:cNvSpPr>
+          <p:nvPr>
+            <p:ph type="dt"/>
+          </p:nvPr>
+        </p:nvSpPr>
+        <p:spPr>
+          <a:xfrm>
+            <a:off x="4278960" y="0"/>
+            <a:ext cx="3280680" cy="534240"/>
+          </a:xfrm>
+          <a:prstGeom prst="rect">
+            <a:avLst/>
+          </a:prstGeom>
+        </p:spPr>
+        <p:txBody>
+          <a:bodyPr lIns="0" rIns="0" tIns="0" bIns="0"/>
+          <a:p>
+            <a:pPr algn="r"/>
+            <a:r>
+              <a:rPr b="0" lang="en-US" sz="1400" spc="-1" strike="noStrike">
+                <a:solidFill>
+                  <a:srgbClr val="000000"/>
+                </a:solidFill>
+                <a:uFill>
+                  <a:solidFill>
+                    <a:srgbClr val="ffffff"/>
+                  </a:solidFill>
+                </a:uFill>
+                <a:latin typeface="Times New Roman"/>
+              </a:rPr>
+              <a:t> </a:t>
+            </a:r>
+            <a:endParaRPr b="0" lang="en-US" sz="1400" spc="-1" strike="noStrike">
+              <a:solidFill>
+                <a:srgbClr val="000000"/>
+              </a:solidFill>
+              <a:uFill>
+                <a:solidFill>
+                  <a:srgbClr val="ffffff"/>
+                </a:solidFill>
+              </a:uFill>
+              <a:latin typeface="Times New Roman"/>
+            </a:endParaRPr>
+          </a:p>
+        </p:txBody>
+      </p:sp>
+      <p:sp>
+        <p:nvSpPr>
+          <p:cNvPr id="111" name="PlaceHolder 4"/>
+          <p:cNvSpPr>
+            <a:spLocks noGrp="1"/>
+          </p:cNvSpPr>
+          <p:nvPr>
+            <p:ph type="ftr"/>
+          </p:nvPr>
+        </p:nvSpPr>
+        <p:spPr>
+          <a:xfrm>
+            <a:off x="0" y="10157400"/>
+            <a:ext cx="3280680" cy="534240"/>
+          </a:xfrm>
+          <a:prstGeom prst="rect">
+            <a:avLst/>
+          </a:prstGeom>
+        </p:spPr>
+        <p:txBody>
+          <a:bodyPr lIns="0" rIns="0" tIns="0" bIns="0" anchor="b"/>
+          <a:p>
+            <a:r>
+              <a:rPr b="0" lang="en-US" sz="1400" spc="-1" strike="noStrike">
+                <a:solidFill>
+                  <a:srgbClr val="000000"/>
+                </a:solidFill>
+                <a:uFill>
+                  <a:solidFill>
+                    <a:srgbClr val="ffffff"/>
+                  </a:solidFill>
+                </a:uFill>
+                <a:latin typeface="Times New Roman"/>
+              </a:rPr>
+              <a:t> </a:t>
+            </a:r>
+            <a:endParaRPr b="0" lang="en-US" sz="1400" spc="-1" strike="noStrike">
+              <a:solidFill>
+                <a:srgbClr val="000000"/>
+              </a:solidFill>
+              <a:uFill>
+                <a:solidFill>
+                  <a:srgbClr val="ffffff"/>
+                </a:solidFill>
+              </a:uFill>
+              <a:latin typeface="Times New Roman"/>
+            </a:endParaRPr>
+          </a:p>
+        </p:txBody>
+      </p:sp>
+      <p:sp>
+        <p:nvSpPr>
+          <p:cNvPr id="112" name="PlaceHolder 5"/>
+          <p:cNvSpPr>
+            <a:spLocks noGrp="1"/>
+          </p:cNvSpPr>
+          <p:nvPr>
+            <p:ph type="sldNum"/>
+          </p:nvPr>
+        </p:nvSpPr>
+        <p:spPr>
+          <a:xfrm>
+            <a:off x="4278960" y="10157400"/>
+            <a:ext cx="3280680" cy="534240"/>
+          </a:xfrm>
+          <a:prstGeom prst="rect">
+            <a:avLst/>
+          </a:prstGeom>
+        </p:spPr>
+        <p:txBody>
+          <a:bodyPr lIns="0" rIns="0" tIns="0" bIns="0" anchor="b"/>
+          <a:p>
+            <a:pPr algn="r"/>
+            <a:fld id="{83A7899B-CB3C-40D9-8D45-18358CE1FA71}" type="slidenum">
+              <a:rPr b="0" lang="en-US" sz="1400" spc="-1" strike="noStrike">
+                <a:solidFill>
+                  <a:srgbClr val="000000"/>
+                </a:solidFill>
+                <a:uFill>
+                  <a:solidFill>
+                    <a:srgbClr val="ffffff"/>
+                  </a:solidFill>
+                </a:uFill>
+                <a:latin typeface="Times New Roman"/>
+              </a:rPr>
+              <a:t>1</a:t>
+            </a:fld>
+            <a:endParaRPr b="0" lang="en-US" sz="1400" spc="-1" strike="noStrike">
+              <a:solidFill>
+                <a:srgbClr val="000000"/>
+              </a:solidFill>
+              <a:uFill>
+                <a:solidFill>
+                  <a:srgbClr val="ffffff"/>
+                </a:solidFill>
+              </a:uFill>
+              <a:latin typeface="Times New Roman"/>
+            </a:endParaRPr>
+          </a:p>
+        </p:txBody>
+      </p:sp>
+    </p:spTree>
+  </p:cSld>
+  <p:clrMap bg1="lt1" bg2="lt2" tx1="dk1" tx2="dk2" accent1="accent1" accent2="accent2" accent3="accent3" accent4="accent4" accent5="accent5" accent6="accent6" hlink="hlink" folHlink="folHlink"/>
+</p:notesMaster>
+</file>
+
+<file path=ppt/notesSlides/notesSlide6.xml><?xml version="1.0" encoding="utf-8"?>
+<p:notes xmlns:a="http://schemas.openxmlformats.org/drawingml/2006/main" xmlns:p="http://schemas.openxmlformats.org/presentationml/2006/main" xmlns:r="http://schemas.openxmlformats.org/officeDocument/2006/relationships" xmlns:p14="http://schemas.microsoft.com/office/powerpoint/2010/main" xmlns:p15="http://schemas.microsoft.com/office/powerpoint/2012/main" xmlns:mc="http://schemas.openxmlformats.org/markup-compatibility/2006">
+  <p:cSld>
+    <p:spTree>
+      <p:nvGrpSpPr>
+        <p:cNvPr id="1" name=""/>
+        <p:cNvGrpSpPr/>
+        <p:nvPr/>
+      </p:nvGrpSpPr>
+      <p:grpSpPr>
+        <a:xfrm>
+          <a:off x="0" y="0"/>
+          <a:ext cx="0" cy="0"/>
+          <a:chOff x="0" y="0"/>
+          <a:chExt cx="0" cy="0"/>
+        </a:xfrm>
+      </p:grpSpPr>
+      <p:sp>
+        <p:nvSpPr>
+          <p:cNvPr id="128" name="TextShape 1"/>
+          <p:cNvSpPr txBox="1"/>
+          <p:nvPr/>
+        </p:nvSpPr>
+        <p:spPr>
+          <a:xfrm>
+            <a:off x="1080000" y="223200"/>
+            <a:ext cx="5362200" cy="6184800"/>
+          </a:xfrm>
+          <a:prstGeom prst="rect">
+            <a:avLst/>
+          </a:prstGeom>
+          <a:noFill/>
+          <a:ln>
+            <a:noFill/>
+          </a:ln>
+        </p:spPr>
+        <p:txBody>
+          <a:bodyPr lIns="90000" rIns="90000" tIns="45000" bIns="45000"/>
+          <a:p>
+            <a:r>
+              <a:rPr b="0" lang="en-US" sz="1200" spc="-1" strike="noStrike">
+                <a:solidFill>
+                  <a:srgbClr val="000000"/>
+                </a:solidFill>
+                <a:uFill>
+                  <a:solidFill>
+                    <a:srgbClr val="ffffff"/>
+                  </a:solidFill>
+                </a:uFill>
+                <a:latin typeface="Noto Sans CJK KR Regular"/>
+                <a:ea typeface="Noto Sans CJK KR Regular"/>
+              </a:rPr>
+              <a:t>Python</a:t>
+            </a:r>
+            <a:r>
+              <a:rPr b="0" lang="en-US" sz="1200" spc="-1" strike="noStrike">
+                <a:solidFill>
+                  <a:srgbClr val="000000"/>
+                </a:solidFill>
+                <a:uFill>
+                  <a:solidFill>
+                    <a:srgbClr val="ffffff"/>
+                  </a:solidFill>
+                </a:uFill>
+                <a:latin typeface="Noto Sans CJK KR Regular"/>
+                <a:ea typeface="Noto Sans CJK KR Regular"/>
+              </a:rPr>
+              <a:t>有</a:t>
+            </a:r>
+            <a:r>
+              <a:rPr b="0" lang="en-US" sz="1200" spc="-1" strike="noStrike">
+                <a:solidFill>
+                  <a:srgbClr val="000000"/>
+                </a:solidFill>
+                <a:uFill>
+                  <a:solidFill>
+                    <a:srgbClr val="ffffff"/>
+                  </a:solidFill>
+                </a:uFill>
+                <a:latin typeface="Noto Sans CJK KR Regular"/>
+                <a:ea typeface="Noto Sans CJK KR Regular"/>
+              </a:rPr>
+              <a:t>3</a:t>
+            </a:r>
+            <a:r>
+              <a:rPr b="0" lang="en-US" sz="1200" spc="-1" strike="noStrike">
+                <a:solidFill>
+                  <a:srgbClr val="000000"/>
+                </a:solidFill>
+                <a:uFill>
+                  <a:solidFill>
+                    <a:srgbClr val="ffffff"/>
+                  </a:solidFill>
+                </a:uFill>
+                <a:latin typeface="Noto Sans CJK KR Regular"/>
+                <a:ea typeface="Noto Sans CJK KR Regular"/>
+              </a:rPr>
+              <a:t>种除法：传统除法、精确除法、地板除。</a:t>
+            </a:r>
+            <a:endParaRPr b="0" lang="en-US" sz="1800" spc="-1" strike="noStrike">
+              <a:solidFill>
+                <a:srgbClr val="000000"/>
+              </a:solidFill>
+              <a:uFill>
+                <a:solidFill>
+                  <a:srgbClr val="ffffff"/>
+                </a:solidFill>
+              </a:uFill>
+              <a:latin typeface="Arial"/>
+            </a:endParaRPr>
+          </a:p>
+          <a:p>
+            <a:r>
+              <a:rPr b="0" lang="en-US" sz="1200" spc="-1" strike="noStrike">
+                <a:solidFill>
+                  <a:srgbClr val="000000"/>
+                </a:solidFill>
+                <a:uFill>
+                  <a:solidFill>
+                    <a:srgbClr val="ffffff"/>
+                  </a:solidFill>
+                </a:uFill>
+                <a:latin typeface="Noto Sans CJK KR Regular"/>
+                <a:ea typeface="Noto Sans CJK KR Regular"/>
+              </a:rPr>
+              <a:t>1.</a:t>
+            </a:r>
+            <a:r>
+              <a:rPr b="0" lang="en-US" sz="1200" spc="-1" strike="noStrike">
+                <a:solidFill>
+                  <a:srgbClr val="000000"/>
+                </a:solidFill>
+                <a:uFill>
+                  <a:solidFill>
+                    <a:srgbClr val="ffffff"/>
+                  </a:solidFill>
+                </a:uFill>
+                <a:latin typeface="Noto Sans CJK KR Regular"/>
+                <a:ea typeface="Noto Sans CJK KR Regular"/>
+              </a:rPr>
+              <a:t>传统除法：（系统默认除法）</a:t>
+            </a:r>
+            <a:endParaRPr b="0" lang="en-US" sz="1800" spc="-1" strike="noStrike">
+              <a:solidFill>
+                <a:srgbClr val="000000"/>
+              </a:solidFill>
+              <a:uFill>
+                <a:solidFill>
+                  <a:srgbClr val="ffffff"/>
+                </a:solidFill>
+              </a:uFill>
+              <a:latin typeface="Arial"/>
+            </a:endParaRPr>
+          </a:p>
+          <a:p>
+            <a:r>
+              <a:rPr b="0" lang="en-US" sz="1200" spc="-1" strike="noStrike">
+                <a:solidFill>
+                  <a:srgbClr val="000000"/>
+                </a:solidFill>
+                <a:uFill>
+                  <a:solidFill>
+                    <a:srgbClr val="ffffff"/>
+                  </a:solidFill>
+                </a:uFill>
+                <a:latin typeface="Noto Sans CJK KR Regular"/>
+                <a:ea typeface="Noto Sans CJK KR Regular"/>
+              </a:rPr>
+              <a:t>如果是整数除法则执行“地板除”，如果是浮点数除法则执行“精确除法”。</a:t>
+            </a:r>
+            <a:endParaRPr b="0" lang="en-US" sz="1800" spc="-1" strike="noStrike">
+              <a:solidFill>
+                <a:srgbClr val="000000"/>
+              </a:solidFill>
+              <a:uFill>
+                <a:solidFill>
+                  <a:srgbClr val="ffffff"/>
+                </a:solidFill>
+              </a:uFill>
+              <a:latin typeface="Arial"/>
+            </a:endParaRPr>
+          </a:p>
+          <a:p>
+            <a:r>
+              <a:rPr b="0" lang="en-US" sz="1200" spc="-1" strike="noStrike">
+                <a:solidFill>
+                  <a:srgbClr val="000000"/>
+                </a:solidFill>
+                <a:uFill>
+                  <a:solidFill>
+                    <a:srgbClr val="ffffff"/>
+                  </a:solidFill>
+                </a:uFill>
+                <a:latin typeface="Noto Sans CJK KR Regular"/>
+                <a:ea typeface="Noto Sans CJK KR Regular"/>
+              </a:rPr>
+              <a:t>    </a:t>
+            </a:r>
+            <a:r>
+              <a:rPr b="0" lang="en-US" sz="1200" spc="-1" strike="noStrike">
+                <a:solidFill>
+                  <a:srgbClr val="000000"/>
+                </a:solidFill>
+                <a:uFill>
+                  <a:solidFill>
+                    <a:srgbClr val="ffffff"/>
+                  </a:solidFill>
+                </a:uFill>
+                <a:latin typeface="Noto Sans CJK KR Regular"/>
+                <a:ea typeface="Noto Sans CJK KR Regular"/>
+              </a:rPr>
+              <a:t>&gt;&gt;&gt;1/2  </a:t>
+            </a:r>
+            <a:endParaRPr b="0" lang="en-US" sz="1800" spc="-1" strike="noStrike">
+              <a:solidFill>
+                <a:srgbClr val="000000"/>
+              </a:solidFill>
+              <a:uFill>
+                <a:solidFill>
+                  <a:srgbClr val="ffffff"/>
+                </a:solidFill>
+              </a:uFill>
+              <a:latin typeface="Arial"/>
+            </a:endParaRPr>
+          </a:p>
+          <a:p>
+            <a:r>
+              <a:rPr b="0" lang="en-US" sz="1200" spc="-1" strike="noStrike">
+                <a:solidFill>
+                  <a:srgbClr val="000000"/>
+                </a:solidFill>
+                <a:uFill>
+                  <a:solidFill>
+                    <a:srgbClr val="ffffff"/>
+                  </a:solidFill>
+                </a:uFill>
+                <a:latin typeface="Noto Sans CJK KR Regular"/>
+                <a:ea typeface="Noto Sans CJK KR Regular"/>
+              </a:rPr>
+              <a:t>    </a:t>
+            </a:r>
+            <a:r>
+              <a:rPr b="0" lang="en-US" sz="1200" spc="-1" strike="noStrike">
+                <a:solidFill>
+                  <a:srgbClr val="000000"/>
+                </a:solidFill>
+                <a:uFill>
+                  <a:solidFill>
+                    <a:srgbClr val="ffffff"/>
+                  </a:solidFill>
+                </a:uFill>
+                <a:latin typeface="Noto Sans CJK KR Regular"/>
+                <a:ea typeface="Noto Sans CJK KR Regular"/>
+              </a:rPr>
+              <a:t>0  </a:t>
+            </a:r>
+            <a:endParaRPr b="0" lang="en-US" sz="1800" spc="-1" strike="noStrike">
+              <a:solidFill>
+                <a:srgbClr val="000000"/>
+              </a:solidFill>
+              <a:uFill>
+                <a:solidFill>
+                  <a:srgbClr val="ffffff"/>
+                </a:solidFill>
+              </a:uFill>
+              <a:latin typeface="Arial"/>
+            </a:endParaRPr>
+          </a:p>
+          <a:p>
+            <a:r>
+              <a:rPr b="0" lang="en-US" sz="1200" spc="-1" strike="noStrike">
+                <a:solidFill>
+                  <a:srgbClr val="000000"/>
+                </a:solidFill>
+                <a:uFill>
+                  <a:solidFill>
+                    <a:srgbClr val="ffffff"/>
+                  </a:solidFill>
+                </a:uFill>
+                <a:latin typeface="Noto Sans CJK KR Regular"/>
+                <a:ea typeface="Noto Sans CJK KR Regular"/>
+              </a:rPr>
+              <a:t>    </a:t>
+            </a:r>
+            <a:r>
+              <a:rPr b="0" lang="en-US" sz="1200" spc="-1" strike="noStrike">
+                <a:solidFill>
+                  <a:srgbClr val="000000"/>
+                </a:solidFill>
+                <a:uFill>
+                  <a:solidFill>
+                    <a:srgbClr val="ffffff"/>
+                  </a:solidFill>
+                </a:uFill>
+                <a:latin typeface="Noto Sans CJK KR Regular"/>
+                <a:ea typeface="Noto Sans CJK KR Regular"/>
+              </a:rPr>
+              <a:t>&gt;&gt;&gt;1.0/2.0  </a:t>
+            </a:r>
+            <a:endParaRPr b="0" lang="en-US" sz="1800" spc="-1" strike="noStrike">
+              <a:solidFill>
+                <a:srgbClr val="000000"/>
+              </a:solidFill>
+              <a:uFill>
+                <a:solidFill>
+                  <a:srgbClr val="ffffff"/>
+                </a:solidFill>
+              </a:uFill>
+              <a:latin typeface="Arial"/>
+            </a:endParaRPr>
+          </a:p>
+          <a:p>
+            <a:r>
+              <a:rPr b="0" lang="en-US" sz="1200" spc="-1" strike="noStrike">
+                <a:solidFill>
+                  <a:srgbClr val="000000"/>
+                </a:solidFill>
+                <a:uFill>
+                  <a:solidFill>
+                    <a:srgbClr val="ffffff"/>
+                  </a:solidFill>
+                </a:uFill>
+                <a:latin typeface="Noto Sans CJK KR Regular"/>
+                <a:ea typeface="Noto Sans CJK KR Regular"/>
+              </a:rPr>
+              <a:t>    </a:t>
+            </a:r>
+            <a:r>
+              <a:rPr b="0" lang="en-US" sz="1200" spc="-1" strike="noStrike">
+                <a:solidFill>
+                  <a:srgbClr val="000000"/>
+                </a:solidFill>
+                <a:uFill>
+                  <a:solidFill>
+                    <a:srgbClr val="ffffff"/>
+                  </a:solidFill>
+                </a:uFill>
+                <a:latin typeface="Noto Sans CJK KR Regular"/>
+                <a:ea typeface="Noto Sans CJK KR Regular"/>
+              </a:rPr>
+              <a:t>0.5  </a:t>
+            </a:r>
+            <a:endParaRPr b="0" lang="en-US" sz="1800" spc="-1" strike="noStrike">
+              <a:solidFill>
+                <a:srgbClr val="000000"/>
+              </a:solidFill>
+              <a:uFill>
+                <a:solidFill>
+                  <a:srgbClr val="ffffff"/>
+                </a:solidFill>
+              </a:uFill>
+              <a:latin typeface="Arial"/>
+            </a:endParaRPr>
+          </a:p>
+          <a:p>
+            <a:r>
+              <a:rPr b="0" lang="en-US" sz="1200" spc="-1" strike="noStrike">
+                <a:solidFill>
+                  <a:srgbClr val="000000"/>
+                </a:solidFill>
+                <a:uFill>
+                  <a:solidFill>
+                    <a:srgbClr val="ffffff"/>
+                  </a:solidFill>
+                </a:uFill>
+                <a:latin typeface="Noto Sans CJK KR Regular"/>
+                <a:ea typeface="Noto Sans CJK KR Regular"/>
+              </a:rPr>
+              <a:t> </a:t>
+            </a:r>
+            <a:r>
+              <a:rPr b="0" lang="en-US" sz="1200" spc="-1" strike="noStrike">
+                <a:solidFill>
+                  <a:srgbClr val="000000"/>
+                </a:solidFill>
+                <a:uFill>
+                  <a:solidFill>
+                    <a:srgbClr val="ffffff"/>
+                  </a:solidFill>
+                </a:uFill>
+                <a:latin typeface="Noto Sans CJK KR Regular"/>
+                <a:ea typeface="Noto Sans CJK KR Regular"/>
+              </a:rPr>
+              <a:t>&gt;&gt;&gt; -1/2.0  </a:t>
+            </a:r>
+            <a:endParaRPr b="0" lang="en-US" sz="1800" spc="-1" strike="noStrike">
+              <a:solidFill>
+                <a:srgbClr val="000000"/>
+              </a:solidFill>
+              <a:uFill>
+                <a:solidFill>
+                  <a:srgbClr val="ffffff"/>
+                </a:solidFill>
+              </a:uFill>
+              <a:latin typeface="Arial"/>
+            </a:endParaRPr>
+          </a:p>
+          <a:p>
+            <a:r>
+              <a:rPr b="0" lang="en-US" sz="1200" spc="-1" strike="noStrike">
+                <a:solidFill>
+                  <a:srgbClr val="000000"/>
+                </a:solidFill>
+                <a:uFill>
+                  <a:solidFill>
+                    <a:srgbClr val="ffffff"/>
+                  </a:solidFill>
+                </a:uFill>
+                <a:latin typeface="Noto Sans CJK KR Regular"/>
+                <a:ea typeface="Noto Sans CJK KR Regular"/>
+              </a:rPr>
+              <a:t>    </a:t>
+            </a:r>
+            <a:r>
+              <a:rPr b="0" lang="en-US" sz="1200" spc="-1" strike="noStrike">
+                <a:solidFill>
+                  <a:srgbClr val="000000"/>
+                </a:solidFill>
+                <a:uFill>
+                  <a:solidFill>
+                    <a:srgbClr val="ffffff"/>
+                  </a:solidFill>
+                </a:uFill>
+                <a:latin typeface="Noto Sans CJK KR Regular"/>
+                <a:ea typeface="Noto Sans CJK KR Regular"/>
+              </a:rPr>
+              <a:t>-1  </a:t>
+            </a:r>
+            <a:endParaRPr b="0" lang="en-US" sz="1800" spc="-1" strike="noStrike">
+              <a:solidFill>
+                <a:srgbClr val="000000"/>
+              </a:solidFill>
+              <a:uFill>
+                <a:solidFill>
+                  <a:srgbClr val="ffffff"/>
+                </a:solidFill>
+              </a:uFill>
+              <a:latin typeface="Arial"/>
+            </a:endParaRPr>
+          </a:p>
+          <a:p>
+            <a:r>
+              <a:rPr b="0" lang="en-US" sz="1200" spc="-1" strike="noStrike">
+                <a:solidFill>
+                  <a:srgbClr val="000000"/>
+                </a:solidFill>
+                <a:uFill>
+                  <a:solidFill>
+                    <a:srgbClr val="ffffff"/>
+                  </a:solidFill>
+                </a:uFill>
+                <a:latin typeface="Noto Sans CJK KR Regular"/>
+                <a:ea typeface="Noto Sans CJK KR Regular"/>
+              </a:rPr>
+              <a:t>2.</a:t>
+            </a:r>
+            <a:r>
+              <a:rPr b="0" lang="en-US" sz="1200" spc="-1" strike="noStrike">
+                <a:solidFill>
+                  <a:srgbClr val="000000"/>
+                </a:solidFill>
+                <a:uFill>
+                  <a:solidFill>
+                    <a:srgbClr val="ffffff"/>
+                  </a:solidFill>
+                </a:uFill>
+                <a:latin typeface="Noto Sans CJK KR Regular"/>
+                <a:ea typeface="Noto Sans CJK KR Regular"/>
+              </a:rPr>
+              <a:t>精确除法</a:t>
+            </a:r>
+            <a:r>
+              <a:rPr b="0" lang="en-US" sz="1200" spc="-1" strike="noStrike">
+                <a:solidFill>
+                  <a:srgbClr val="000000"/>
+                </a:solidFill>
+                <a:uFill>
+                  <a:solidFill>
+                    <a:srgbClr val="ffffff"/>
+                  </a:solidFill>
+                </a:uFill>
+                <a:latin typeface="Noto Sans CJK KR Regular"/>
+                <a:ea typeface="Noto Sans CJK KR Regular"/>
+              </a:rPr>
+              <a:t>:</a:t>
+            </a:r>
+            <a:endParaRPr b="0" lang="en-US" sz="1800" spc="-1" strike="noStrike">
+              <a:solidFill>
+                <a:srgbClr val="000000"/>
+              </a:solidFill>
+              <a:uFill>
+                <a:solidFill>
+                  <a:srgbClr val="ffffff"/>
+                </a:solidFill>
+              </a:uFill>
+              <a:latin typeface="Arial"/>
+            </a:endParaRPr>
+          </a:p>
+          <a:p>
+            <a:r>
+              <a:rPr b="0" lang="en-US" sz="1200" spc="-1" strike="noStrike">
+                <a:solidFill>
+                  <a:srgbClr val="000000"/>
+                </a:solidFill>
+                <a:uFill>
+                  <a:solidFill>
+                    <a:srgbClr val="ffffff"/>
+                  </a:solidFill>
+                </a:uFill>
+                <a:latin typeface="Noto Sans CJK KR Regular"/>
+                <a:ea typeface="Noto Sans CJK KR Regular"/>
+              </a:rPr>
+              <a:t>除法总是会返回真实的商，不管操作数是整形还是浮点型。</a:t>
+            </a:r>
+            <a:endParaRPr b="0" lang="en-US" sz="1800" spc="-1" strike="noStrike">
+              <a:solidFill>
+                <a:srgbClr val="000000"/>
+              </a:solidFill>
+              <a:uFill>
+                <a:solidFill>
+                  <a:srgbClr val="ffffff"/>
+                </a:solidFill>
+              </a:uFill>
+              <a:latin typeface="Arial"/>
+            </a:endParaRPr>
+          </a:p>
+          <a:p>
+            <a:r>
+              <a:rPr b="0" lang="en-US" sz="1200" spc="-1" strike="noStrike">
+                <a:solidFill>
+                  <a:srgbClr val="000000"/>
+                </a:solidFill>
+                <a:uFill>
+                  <a:solidFill>
+                    <a:srgbClr val="ffffff"/>
+                  </a:solidFill>
+                </a:uFill>
+                <a:latin typeface="Noto Sans CJK KR Regular"/>
+                <a:ea typeface="Noto Sans CJK KR Regular"/>
+              </a:rPr>
+              <a:t>执行</a:t>
+            </a:r>
+            <a:r>
+              <a:rPr b="0" lang="en-US" sz="1200" spc="-1" strike="noStrike">
+                <a:solidFill>
+                  <a:srgbClr val="000000"/>
+                </a:solidFill>
+                <a:uFill>
+                  <a:solidFill>
+                    <a:srgbClr val="ffffff"/>
+                  </a:solidFill>
+                </a:uFill>
+                <a:latin typeface="Noto Sans CJK KR Regular"/>
+                <a:ea typeface="Noto Sans CJK KR Regular"/>
+              </a:rPr>
+              <a:t>from __future__ import division </a:t>
+            </a:r>
+            <a:r>
+              <a:rPr b="0" lang="en-US" sz="1200" spc="-1" strike="noStrike">
+                <a:solidFill>
+                  <a:srgbClr val="000000"/>
+                </a:solidFill>
+                <a:uFill>
+                  <a:solidFill>
+                    <a:srgbClr val="ffffff"/>
+                  </a:solidFill>
+                </a:uFill>
+                <a:latin typeface="Noto Sans CJK KR Regular"/>
+                <a:ea typeface="Noto Sans CJK KR Regular"/>
+              </a:rPr>
+              <a:t>指令就可以做到这一点。</a:t>
+            </a:r>
+            <a:endParaRPr b="0" lang="en-US" sz="1800" spc="-1" strike="noStrike">
+              <a:solidFill>
+                <a:srgbClr val="000000"/>
+              </a:solidFill>
+              <a:uFill>
+                <a:solidFill>
+                  <a:srgbClr val="ffffff"/>
+                </a:solidFill>
+              </a:uFill>
+              <a:latin typeface="Arial"/>
+            </a:endParaRPr>
+          </a:p>
+          <a:p>
+            <a:r>
+              <a:rPr b="0" lang="en-US" sz="1200" spc="-1" strike="noStrike">
+                <a:solidFill>
+                  <a:srgbClr val="000000"/>
+                </a:solidFill>
+                <a:uFill>
+                  <a:solidFill>
+                    <a:srgbClr val="ffffff"/>
+                  </a:solidFill>
+                </a:uFill>
+                <a:latin typeface="Noto Sans CJK KR Regular"/>
+                <a:ea typeface="Noto Sans CJK KR Regular"/>
+              </a:rPr>
+              <a:t>    </a:t>
+            </a:r>
+            <a:r>
+              <a:rPr b="0" lang="en-US" sz="1200" spc="-1" strike="noStrike">
+                <a:solidFill>
+                  <a:srgbClr val="000000"/>
+                </a:solidFill>
+                <a:uFill>
+                  <a:solidFill>
+                    <a:srgbClr val="ffffff"/>
+                  </a:solidFill>
+                </a:uFill>
+                <a:latin typeface="Noto Sans CJK KR Regular"/>
+                <a:ea typeface="Noto Sans CJK KR Regular"/>
+              </a:rPr>
+              <a:t>&gt;&gt;&gt;from __future__ import division  </a:t>
+            </a:r>
+            <a:endParaRPr b="0" lang="en-US" sz="1800" spc="-1" strike="noStrike">
+              <a:solidFill>
+                <a:srgbClr val="000000"/>
+              </a:solidFill>
+              <a:uFill>
+                <a:solidFill>
+                  <a:srgbClr val="ffffff"/>
+                </a:solidFill>
+              </a:uFill>
+              <a:latin typeface="Arial"/>
+            </a:endParaRPr>
+          </a:p>
+          <a:p>
+            <a:r>
+              <a:rPr b="0" lang="en-US" sz="1200" spc="-1" strike="noStrike">
+                <a:solidFill>
+                  <a:srgbClr val="000000"/>
+                </a:solidFill>
+                <a:uFill>
+                  <a:solidFill>
+                    <a:srgbClr val="ffffff"/>
+                  </a:solidFill>
+                </a:uFill>
+                <a:latin typeface="Noto Sans CJK KR Regular"/>
+                <a:ea typeface="Noto Sans CJK KR Regular"/>
+              </a:rPr>
+              <a:t>    </a:t>
+            </a:r>
+            <a:r>
+              <a:rPr b="0" lang="en-US" sz="1200" spc="-1" strike="noStrike">
+                <a:solidFill>
+                  <a:srgbClr val="000000"/>
+                </a:solidFill>
+                <a:uFill>
+                  <a:solidFill>
+                    <a:srgbClr val="ffffff"/>
+                  </a:solidFill>
+                </a:uFill>
+                <a:latin typeface="Noto Sans CJK KR Regular"/>
+                <a:ea typeface="Noto Sans CJK KR Regular"/>
+              </a:rPr>
+              <a:t>&gt;&gt;&gt;1/2  </a:t>
+            </a:r>
+            <a:endParaRPr b="0" lang="en-US" sz="1800" spc="-1" strike="noStrike">
+              <a:solidFill>
+                <a:srgbClr val="000000"/>
+              </a:solidFill>
+              <a:uFill>
+                <a:solidFill>
+                  <a:srgbClr val="ffffff"/>
+                </a:solidFill>
+              </a:uFill>
+              <a:latin typeface="Arial"/>
+            </a:endParaRPr>
+          </a:p>
+          <a:p>
+            <a:r>
+              <a:rPr b="0" lang="en-US" sz="1200" spc="-1" strike="noStrike">
+                <a:solidFill>
+                  <a:srgbClr val="000000"/>
+                </a:solidFill>
+                <a:uFill>
+                  <a:solidFill>
+                    <a:srgbClr val="ffffff"/>
+                  </a:solidFill>
+                </a:uFill>
+                <a:latin typeface="Noto Sans CJK KR Regular"/>
+                <a:ea typeface="Noto Sans CJK KR Regular"/>
+              </a:rPr>
+              <a:t>    </a:t>
+            </a:r>
+            <a:r>
+              <a:rPr b="0" lang="en-US" sz="1200" spc="-1" strike="noStrike">
+                <a:solidFill>
+                  <a:srgbClr val="000000"/>
+                </a:solidFill>
+                <a:uFill>
+                  <a:solidFill>
+                    <a:srgbClr val="ffffff"/>
+                  </a:solidFill>
+                </a:uFill>
+                <a:latin typeface="Noto Sans CJK KR Regular"/>
+                <a:ea typeface="Noto Sans CJK KR Regular"/>
+              </a:rPr>
+              <a:t>0.5  </a:t>
+            </a:r>
+            <a:endParaRPr b="0" lang="en-US" sz="1800" spc="-1" strike="noStrike">
+              <a:solidFill>
+                <a:srgbClr val="000000"/>
+              </a:solidFill>
+              <a:uFill>
+                <a:solidFill>
+                  <a:srgbClr val="ffffff"/>
+                </a:solidFill>
+              </a:uFill>
+              <a:latin typeface="Arial"/>
+            </a:endParaRPr>
+          </a:p>
+          <a:p>
+            <a:r>
+              <a:rPr b="0" lang="en-US" sz="1200" spc="-1" strike="noStrike">
+                <a:solidFill>
+                  <a:srgbClr val="000000"/>
+                </a:solidFill>
+                <a:uFill>
+                  <a:solidFill>
+                    <a:srgbClr val="ffffff"/>
+                  </a:solidFill>
+                </a:uFill>
+                <a:latin typeface="Noto Sans CJK KR Regular"/>
+                <a:ea typeface="Noto Sans CJK KR Regular"/>
+              </a:rPr>
+              <a:t>    </a:t>
+            </a:r>
+            <a:r>
+              <a:rPr b="0" lang="en-US" sz="1200" spc="-1" strike="noStrike">
+                <a:solidFill>
+                  <a:srgbClr val="000000"/>
+                </a:solidFill>
+                <a:uFill>
+                  <a:solidFill>
+                    <a:srgbClr val="ffffff"/>
+                  </a:solidFill>
+                </a:uFill>
+                <a:latin typeface="Noto Sans CJK KR Regular"/>
+                <a:ea typeface="Noto Sans CJK KR Regular"/>
+              </a:rPr>
+              <a:t>&gt;&gt;&gt;1.0/2.0  </a:t>
+            </a:r>
+            <a:endParaRPr b="0" lang="en-US" sz="1800" spc="-1" strike="noStrike">
+              <a:solidFill>
+                <a:srgbClr val="000000"/>
+              </a:solidFill>
+              <a:uFill>
+                <a:solidFill>
+                  <a:srgbClr val="ffffff"/>
+                </a:solidFill>
+              </a:uFill>
+              <a:latin typeface="Arial"/>
+            </a:endParaRPr>
+          </a:p>
+          <a:p>
+            <a:r>
+              <a:rPr b="0" lang="en-US" sz="1200" spc="-1" strike="noStrike">
+                <a:solidFill>
+                  <a:srgbClr val="000000"/>
+                </a:solidFill>
+                <a:uFill>
+                  <a:solidFill>
+                    <a:srgbClr val="ffffff"/>
+                  </a:solidFill>
+                </a:uFill>
+                <a:latin typeface="Noto Sans CJK KR Regular"/>
+                <a:ea typeface="Noto Sans CJK KR Regular"/>
+              </a:rPr>
+              <a:t>    </a:t>
+            </a:r>
+            <a:r>
+              <a:rPr b="0" lang="en-US" sz="1200" spc="-1" strike="noStrike">
+                <a:solidFill>
+                  <a:srgbClr val="000000"/>
+                </a:solidFill>
+                <a:uFill>
+                  <a:solidFill>
+                    <a:srgbClr val="ffffff"/>
+                  </a:solidFill>
+                </a:uFill>
+                <a:latin typeface="Noto Sans CJK KR Regular"/>
+                <a:ea typeface="Noto Sans CJK KR Regular"/>
+              </a:rPr>
+              <a:t>0.5  </a:t>
+            </a:r>
+            <a:endParaRPr b="0" lang="en-US" sz="1800" spc="-1" strike="noStrike">
+              <a:solidFill>
+                <a:srgbClr val="000000"/>
+              </a:solidFill>
+              <a:uFill>
+                <a:solidFill>
+                  <a:srgbClr val="ffffff"/>
+                </a:solidFill>
+              </a:uFill>
+              <a:latin typeface="Arial"/>
+            </a:endParaRPr>
+          </a:p>
+          <a:p>
+            <a:r>
+              <a:rPr b="0" lang="en-US" sz="1200" spc="-1" strike="noStrike">
+                <a:solidFill>
+                  <a:srgbClr val="000000"/>
+                </a:solidFill>
+                <a:uFill>
+                  <a:solidFill>
+                    <a:srgbClr val="ffffff"/>
+                  </a:solidFill>
+                </a:uFill>
+                <a:latin typeface="Noto Sans CJK KR Regular"/>
+                <a:ea typeface="Noto Sans CJK KR Regular"/>
+              </a:rPr>
+              <a:t>3.</a:t>
+            </a:r>
+            <a:r>
+              <a:rPr b="0" lang="en-US" sz="1200" spc="-1" strike="noStrike">
+                <a:solidFill>
+                  <a:srgbClr val="000000"/>
+                </a:solidFill>
+                <a:uFill>
+                  <a:solidFill>
+                    <a:srgbClr val="ffffff"/>
+                  </a:solidFill>
+                </a:uFill>
+                <a:latin typeface="Noto Sans CJK KR Regular"/>
+                <a:ea typeface="Noto Sans CJK KR Regular"/>
+              </a:rPr>
+              <a:t>地板除</a:t>
+            </a:r>
+            <a:endParaRPr b="0" lang="en-US" sz="1800" spc="-1" strike="noStrike">
+              <a:solidFill>
+                <a:srgbClr val="000000"/>
+              </a:solidFill>
+              <a:uFill>
+                <a:solidFill>
+                  <a:srgbClr val="ffffff"/>
+                </a:solidFill>
+              </a:uFill>
+              <a:latin typeface="Arial"/>
+            </a:endParaRPr>
+          </a:p>
+          <a:p>
+            <a:r>
+              <a:rPr b="0" lang="en-US" sz="1200" spc="-1" strike="noStrike">
+                <a:solidFill>
+                  <a:srgbClr val="000000"/>
+                </a:solidFill>
+                <a:uFill>
+                  <a:solidFill>
+                    <a:srgbClr val="ffffff"/>
+                  </a:solidFill>
+                </a:uFill>
+                <a:latin typeface="Noto Sans CJK KR Regular"/>
+                <a:ea typeface="Noto Sans CJK KR Regular"/>
+              </a:rPr>
+              <a:t>从</a:t>
+            </a:r>
+            <a:r>
+              <a:rPr b="0" lang="en-US" sz="1200" spc="-1" strike="noStrike">
+                <a:solidFill>
+                  <a:srgbClr val="000000"/>
+                </a:solidFill>
+                <a:uFill>
+                  <a:solidFill>
+                    <a:srgbClr val="ffffff"/>
+                  </a:solidFill>
+                </a:uFill>
+                <a:latin typeface="Noto Sans CJK KR Regular"/>
+                <a:ea typeface="Noto Sans CJK KR Regular"/>
+              </a:rPr>
+              <a:t>Python2.2</a:t>
+            </a:r>
+            <a:r>
+              <a:rPr b="0" lang="en-US" sz="1200" spc="-1" strike="noStrike">
+                <a:solidFill>
+                  <a:srgbClr val="000000"/>
+                </a:solidFill>
+                <a:uFill>
+                  <a:solidFill>
+                    <a:srgbClr val="ffffff"/>
+                  </a:solidFill>
+                </a:uFill>
+                <a:latin typeface="Noto Sans CJK KR Regular"/>
+                <a:ea typeface="Noto Sans CJK KR Regular"/>
+              </a:rPr>
+              <a:t>开始，增加了一个操作符 </a:t>
+            </a:r>
+            <a:r>
+              <a:rPr b="0" lang="en-US" sz="1200" spc="-1" strike="noStrike">
+                <a:solidFill>
+                  <a:srgbClr val="000000"/>
+                </a:solidFill>
+                <a:uFill>
+                  <a:solidFill>
+                    <a:srgbClr val="ffffff"/>
+                  </a:solidFill>
+                </a:uFill>
+                <a:latin typeface="Noto Sans CJK KR Regular"/>
+                <a:ea typeface="Noto Sans CJK KR Regular"/>
+              </a:rPr>
+              <a:t>// </a:t>
+            </a:r>
+            <a:r>
+              <a:rPr b="0" lang="en-US" sz="1200" spc="-1" strike="noStrike">
+                <a:solidFill>
+                  <a:srgbClr val="000000"/>
+                </a:solidFill>
+                <a:uFill>
+                  <a:solidFill>
+                    <a:srgbClr val="ffffff"/>
+                  </a:solidFill>
+                </a:uFill>
+                <a:latin typeface="Noto Sans CJK KR Regular"/>
+                <a:ea typeface="Noto Sans CJK KR Regular"/>
+              </a:rPr>
+              <a:t>，以执行地板除：</a:t>
+            </a:r>
+            <a:r>
+              <a:rPr b="0" lang="en-US" sz="1200" spc="-1" strike="noStrike">
+                <a:solidFill>
+                  <a:srgbClr val="000000"/>
+                </a:solidFill>
+                <a:uFill>
+                  <a:solidFill>
+                    <a:srgbClr val="ffffff"/>
+                  </a:solidFill>
+                </a:uFill>
+                <a:latin typeface="Noto Sans CJK KR Regular"/>
+                <a:ea typeface="Noto Sans CJK KR Regular"/>
+              </a:rPr>
+              <a:t>//</a:t>
+            </a:r>
+            <a:endParaRPr b="0" lang="en-US" sz="1800" spc="-1" strike="noStrike">
+              <a:solidFill>
+                <a:srgbClr val="000000"/>
+              </a:solidFill>
+              <a:uFill>
+                <a:solidFill>
+                  <a:srgbClr val="ffffff"/>
+                </a:solidFill>
+              </a:uFill>
+              <a:latin typeface="Arial"/>
+            </a:endParaRPr>
+          </a:p>
+          <a:p>
+            <a:r>
+              <a:rPr b="0" lang="en-US" sz="1200" spc="-1" strike="noStrike">
+                <a:solidFill>
+                  <a:srgbClr val="000000"/>
+                </a:solidFill>
+                <a:uFill>
+                  <a:solidFill>
+                    <a:srgbClr val="ffffff"/>
+                  </a:solidFill>
+                </a:uFill>
+                <a:latin typeface="Noto Sans CJK KR Regular"/>
+                <a:ea typeface="Noto Sans CJK KR Regular"/>
+              </a:rPr>
+              <a:t>除法不管操作数为何种数值类型，总是会舍去小数部分，</a:t>
+            </a:r>
+            <a:endParaRPr b="0" lang="en-US" sz="1800" spc="-1" strike="noStrike">
+              <a:solidFill>
+                <a:srgbClr val="000000"/>
+              </a:solidFill>
+              <a:uFill>
+                <a:solidFill>
+                  <a:srgbClr val="ffffff"/>
+                </a:solidFill>
+              </a:uFill>
+              <a:latin typeface="Arial"/>
+            </a:endParaRPr>
+          </a:p>
+          <a:p>
+            <a:r>
+              <a:rPr b="0" lang="en-US" sz="1200" spc="-1" strike="noStrike">
+                <a:solidFill>
+                  <a:srgbClr val="000000"/>
+                </a:solidFill>
+                <a:uFill>
+                  <a:solidFill>
+                    <a:srgbClr val="ffffff"/>
+                  </a:solidFill>
+                </a:uFill>
+                <a:latin typeface="Noto Sans CJK KR Regular"/>
+                <a:ea typeface="Noto Sans CJK KR Regular"/>
+              </a:rPr>
+              <a:t>返回数字序列中比真正的商小的最接近的数字。</a:t>
+            </a:r>
+            <a:endParaRPr b="0" lang="en-US" sz="1800" spc="-1" strike="noStrike">
+              <a:solidFill>
+                <a:srgbClr val="000000"/>
+              </a:solidFill>
+              <a:uFill>
+                <a:solidFill>
+                  <a:srgbClr val="ffffff"/>
+                </a:solidFill>
+              </a:uFill>
+              <a:latin typeface="Arial"/>
+            </a:endParaRPr>
+          </a:p>
+          <a:p>
+            <a:r>
+              <a:rPr b="0" lang="en-US" sz="1200" spc="-1" strike="noStrike">
+                <a:solidFill>
+                  <a:srgbClr val="000000"/>
+                </a:solidFill>
+                <a:uFill>
+                  <a:solidFill>
+                    <a:srgbClr val="ffffff"/>
+                  </a:solidFill>
+                </a:uFill>
+                <a:latin typeface="Noto Sans CJK KR Regular"/>
+                <a:ea typeface="Noto Sans CJK KR Regular"/>
+              </a:rPr>
+              <a:t>    </a:t>
+            </a:r>
+            <a:r>
+              <a:rPr b="0" lang="en-US" sz="1200" spc="-1" strike="noStrike">
+                <a:solidFill>
+                  <a:srgbClr val="000000"/>
+                </a:solidFill>
+                <a:uFill>
+                  <a:solidFill>
+                    <a:srgbClr val="ffffff"/>
+                  </a:solidFill>
+                </a:uFill>
+                <a:latin typeface="Noto Sans CJK KR Regular"/>
+                <a:ea typeface="Noto Sans CJK KR Regular"/>
+              </a:rPr>
+              <a:t>&gt;&gt;&gt;1//2  </a:t>
+            </a:r>
+            <a:endParaRPr b="0" lang="en-US" sz="1800" spc="-1" strike="noStrike">
+              <a:solidFill>
+                <a:srgbClr val="000000"/>
+              </a:solidFill>
+              <a:uFill>
+                <a:solidFill>
+                  <a:srgbClr val="ffffff"/>
+                </a:solidFill>
+              </a:uFill>
+              <a:latin typeface="Arial"/>
+            </a:endParaRPr>
+          </a:p>
+          <a:p>
+            <a:r>
+              <a:rPr b="0" lang="en-US" sz="1200" spc="-1" strike="noStrike">
+                <a:solidFill>
+                  <a:srgbClr val="000000"/>
+                </a:solidFill>
+                <a:uFill>
+                  <a:solidFill>
+                    <a:srgbClr val="ffffff"/>
+                  </a:solidFill>
+                </a:uFill>
+                <a:latin typeface="Noto Sans CJK KR Regular"/>
+                <a:ea typeface="Noto Sans CJK KR Regular"/>
+              </a:rPr>
+              <a:t>    </a:t>
+            </a:r>
+            <a:r>
+              <a:rPr b="0" lang="en-US" sz="1200" spc="-1" strike="noStrike">
+                <a:solidFill>
+                  <a:srgbClr val="000000"/>
+                </a:solidFill>
+                <a:uFill>
+                  <a:solidFill>
+                    <a:srgbClr val="ffffff"/>
+                  </a:solidFill>
+                </a:uFill>
+                <a:latin typeface="Noto Sans CJK KR Regular"/>
+                <a:ea typeface="Noto Sans CJK KR Regular"/>
+              </a:rPr>
+              <a:t>0  </a:t>
+            </a:r>
+            <a:endParaRPr b="0" lang="en-US" sz="1800" spc="-1" strike="noStrike">
+              <a:solidFill>
+                <a:srgbClr val="000000"/>
+              </a:solidFill>
+              <a:uFill>
+                <a:solidFill>
+                  <a:srgbClr val="ffffff"/>
+                </a:solidFill>
+              </a:uFill>
+              <a:latin typeface="Arial"/>
+            </a:endParaRPr>
+          </a:p>
+          <a:p>
+            <a:r>
+              <a:rPr b="0" lang="en-US" sz="1200" spc="-1" strike="noStrike">
+                <a:solidFill>
+                  <a:srgbClr val="000000"/>
+                </a:solidFill>
+                <a:uFill>
+                  <a:solidFill>
+                    <a:srgbClr val="ffffff"/>
+                  </a:solidFill>
+                </a:uFill>
+                <a:latin typeface="Noto Sans CJK KR Regular"/>
+                <a:ea typeface="Noto Sans CJK KR Regular"/>
+              </a:rPr>
+              <a:t>    </a:t>
+            </a:r>
+            <a:r>
+              <a:rPr b="0" lang="en-US" sz="1200" spc="-1" strike="noStrike">
+                <a:solidFill>
+                  <a:srgbClr val="000000"/>
+                </a:solidFill>
+                <a:uFill>
+                  <a:solidFill>
+                    <a:srgbClr val="ffffff"/>
+                  </a:solidFill>
+                </a:uFill>
+                <a:latin typeface="Noto Sans CJK KR Regular"/>
+                <a:ea typeface="Noto Sans CJK KR Regular"/>
+              </a:rPr>
+              <a:t>&gt;&gt;&gt;1.0//2  </a:t>
+            </a:r>
+            <a:endParaRPr b="0" lang="en-US" sz="1800" spc="-1" strike="noStrike">
+              <a:solidFill>
+                <a:srgbClr val="000000"/>
+              </a:solidFill>
+              <a:uFill>
+                <a:solidFill>
+                  <a:srgbClr val="ffffff"/>
+                </a:solidFill>
+              </a:uFill>
+              <a:latin typeface="Arial"/>
+            </a:endParaRPr>
+          </a:p>
+          <a:p>
+            <a:r>
+              <a:rPr b="0" lang="en-US" sz="1200" spc="-1" strike="noStrike">
+                <a:solidFill>
+                  <a:srgbClr val="000000"/>
+                </a:solidFill>
+                <a:uFill>
+                  <a:solidFill>
+                    <a:srgbClr val="ffffff"/>
+                  </a:solidFill>
+                </a:uFill>
+                <a:latin typeface="Noto Sans CJK KR Regular"/>
+                <a:ea typeface="Noto Sans CJK KR Regular"/>
+              </a:rPr>
+              <a:t>    </a:t>
+            </a:r>
+            <a:r>
+              <a:rPr b="0" lang="en-US" sz="1200" spc="-1" strike="noStrike">
+                <a:solidFill>
+                  <a:srgbClr val="000000"/>
+                </a:solidFill>
+                <a:uFill>
+                  <a:solidFill>
+                    <a:srgbClr val="ffffff"/>
+                  </a:solidFill>
+                </a:uFill>
+                <a:latin typeface="Noto Sans CJK KR Regular"/>
+                <a:ea typeface="Noto Sans CJK KR Regular"/>
+              </a:rPr>
+              <a:t>0  </a:t>
+            </a:r>
+            <a:endParaRPr b="0" lang="en-US" sz="1800" spc="-1" strike="noStrike">
+              <a:solidFill>
+                <a:srgbClr val="000000"/>
+              </a:solidFill>
+              <a:uFill>
+                <a:solidFill>
+                  <a:srgbClr val="ffffff"/>
+                </a:solidFill>
+              </a:uFill>
+              <a:latin typeface="Arial"/>
+            </a:endParaRPr>
+          </a:p>
+          <a:p>
+            <a:r>
+              <a:rPr b="0" lang="en-US" sz="1200" spc="-1" strike="noStrike">
+                <a:solidFill>
+                  <a:srgbClr val="000000"/>
+                </a:solidFill>
+                <a:uFill>
+                  <a:solidFill>
+                    <a:srgbClr val="ffffff"/>
+                  </a:solidFill>
+                </a:uFill>
+                <a:latin typeface="Noto Sans CJK KR Regular"/>
+                <a:ea typeface="Noto Sans CJK KR Regular"/>
+              </a:rPr>
+              <a:t>    </a:t>
+            </a:r>
+            <a:r>
+              <a:rPr b="0" lang="en-US" sz="1200" spc="-1" strike="noStrike">
+                <a:solidFill>
+                  <a:srgbClr val="000000"/>
+                </a:solidFill>
+                <a:uFill>
+                  <a:solidFill>
+                    <a:srgbClr val="ffffff"/>
+                  </a:solidFill>
+                </a:uFill>
+                <a:latin typeface="Noto Sans CJK KR Regular"/>
+                <a:ea typeface="Noto Sans CJK KR Regular"/>
+              </a:rPr>
+              <a:t>&gt;&gt;&gt;-1//2.0  </a:t>
+            </a:r>
+            <a:endParaRPr b="0" lang="en-US" sz="1800" spc="-1" strike="noStrike">
+              <a:solidFill>
+                <a:srgbClr val="000000"/>
+              </a:solidFill>
+              <a:uFill>
+                <a:solidFill>
+                  <a:srgbClr val="ffffff"/>
+                </a:solidFill>
+              </a:uFill>
+              <a:latin typeface="Arial"/>
+            </a:endParaRPr>
+          </a:p>
+          <a:p>
+            <a:r>
+              <a:rPr b="0" lang="en-US" sz="1200" spc="-1" strike="noStrike">
+                <a:solidFill>
+                  <a:srgbClr val="000000"/>
+                </a:solidFill>
+                <a:uFill>
+                  <a:solidFill>
+                    <a:srgbClr val="ffffff"/>
+                  </a:solidFill>
+                </a:uFill>
+                <a:latin typeface="Noto Sans CJK KR Regular"/>
+                <a:ea typeface="Noto Sans CJK KR Regular"/>
+              </a:rPr>
+              <a:t>    </a:t>
+            </a:r>
+            <a:r>
+              <a:rPr b="0" lang="en-US" sz="1200" spc="-1" strike="noStrike">
+                <a:solidFill>
+                  <a:srgbClr val="000000"/>
+                </a:solidFill>
+                <a:uFill>
+                  <a:solidFill>
+                    <a:srgbClr val="ffffff"/>
+                  </a:solidFill>
+                </a:uFill>
+                <a:latin typeface="Noto Sans CJK KR Regular"/>
+                <a:ea typeface="Noto Sans CJK KR Regular"/>
+              </a:rPr>
+              <a:t>-1  </a:t>
+            </a:r>
+            <a:endParaRPr b="0" lang="en-US" sz="1800" spc="-1" strike="noStrike">
+              <a:solidFill>
+                <a:srgbClr val="000000"/>
+              </a:solidFill>
+              <a:uFill>
+                <a:solidFill>
+                  <a:srgbClr val="ffffff"/>
+                </a:solidFill>
+              </a:uFill>
+              <a:latin typeface="Arial"/>
+            </a:endParaRPr>
+          </a:p>
+        </p:txBody>
+      </p:sp>
+    </p:spTree>
+  </p:cSld>
+</p:notes>
 </file>
 
 <file path=ppt/slideLayouts/slideLayout1.xml><?xml version="1.0" encoding="utf-8"?>
@@ -5548,14 +7093,14 @@
       </p:grpSpPr>
       <p:sp>
         <p:nvSpPr>
-          <p:cNvPr id="108" name="CustomShape 1"/>
+          <p:cNvPr id="113" name="CustomShape 1"/>
           <p:cNvSpPr/>
           <p:nvPr/>
         </p:nvSpPr>
         <p:spPr>
           <a:xfrm>
             <a:off x="838080" y="365040"/>
-            <a:ext cx="10514160" cy="1324080"/>
+            <a:ext cx="10513080" cy="1323000"/>
           </a:xfrm>
           <a:prstGeom prst="rect">
             <a:avLst/>
@@ -5655,14 +7200,14 @@
       </p:sp>
       <p:sp>
         <p:nvSpPr>
-          <p:cNvPr id="109" name="CustomShape 2"/>
+          <p:cNvPr id="114" name="CustomShape 2"/>
           <p:cNvSpPr/>
           <p:nvPr/>
         </p:nvSpPr>
         <p:spPr>
           <a:xfrm>
             <a:off x="838080" y="1825560"/>
-            <a:ext cx="10514160" cy="4349880"/>
+            <a:ext cx="10513080" cy="4348800"/>
           </a:xfrm>
           <a:prstGeom prst="rect">
             <a:avLst/>
@@ -5681,7 +7226,7 @@
         <p:txBody>
           <a:bodyPr lIns="90000" rIns="90000" tIns="45000" bIns="45000"/>
           <a:p>
-            <a:pPr marL="228600" indent="-227160">
+            <a:pPr marL="228600" indent="-226080">
               <a:lnSpc>
                 <a:spcPct val="90000"/>
               </a:lnSpc>
@@ -6284,14 +7829,14 @@
       </p:grpSpPr>
       <p:sp>
         <p:nvSpPr>
-          <p:cNvPr id="110" name="TextShape 1"/>
-          <p:cNvSpPr txBox="1"/>
+          <p:cNvPr id="115" name="CustomShape 1"/>
+          <p:cNvSpPr/>
           <p:nvPr/>
         </p:nvSpPr>
         <p:spPr>
           <a:xfrm>
             <a:off x="1008000" y="2160000"/>
-            <a:ext cx="7632000" cy="3565440"/>
+            <a:ext cx="7630920" cy="3564360"/>
           </a:xfrm>
           <a:prstGeom prst="rect">
             <a:avLst/>
@@ -6301,6 +7846,12 @@
             <a:noFill/>
           </a:ln>
         </p:spPr>
+        <p:style>
+          <a:lnRef idx="0"/>
+          <a:fillRef idx="0"/>
+          <a:effectRef idx="0"/>
+          <a:fontRef idx="minor"/>
+        </p:style>
         <p:txBody>
           <a:bodyPr lIns="90000" rIns="90000" tIns="45000" bIns="45000"/>
           <a:p>
@@ -6315,6 +7866,7 @@
                   </a:solidFill>
                 </a:uFill>
                 <a:latin typeface="Arial"/>
+                <a:ea typeface="DejaVu Sans"/>
               </a:rPr>
               <a:t>矩阵</a:t>
             </a:r>
@@ -6329,6 +7881,7 @@
                   </a:solidFill>
                 </a:uFill>
                 <a:latin typeface="Arial"/>
+                <a:ea typeface="DejaVu Sans"/>
               </a:rPr>
               <a:t>[m,n] * [n,p] = [m,p] </a:t>
             </a:r>
@@ -6343,6 +7896,7 @@
                   </a:solidFill>
                 </a:uFill>
                 <a:latin typeface="Arial"/>
+                <a:ea typeface="DejaVu Sans"/>
               </a:rPr>
               <a:t>维矩阵，而数组本身没有这个运算方法。</a:t>
             </a:r>
@@ -6370,6 +7924,7 @@
                   </a:solidFill>
                 </a:uFill>
                 <a:latin typeface="Arial"/>
+                <a:ea typeface="DejaVu Sans"/>
               </a:rPr>
               <a:t>但</a:t>
             </a:r>
@@ -6384,6 +7939,7 @@
                   </a:solidFill>
                 </a:uFill>
                 <a:latin typeface="Arial"/>
+                <a:ea typeface="DejaVu Sans"/>
               </a:rPr>
               <a:t>numpy</a:t>
             </a:r>
@@ -6398,6 +7954,7 @@
                   </a:solidFill>
                 </a:uFill>
                 <a:latin typeface="Arial"/>
+                <a:ea typeface="DejaVu Sans"/>
               </a:rPr>
               <a:t>有一个函数</a:t>
             </a:r>
@@ -6412,6 +7969,7 @@
                   </a:solidFill>
                 </a:uFill>
                 <a:latin typeface="Arial"/>
+                <a:ea typeface="DejaVu Sans"/>
               </a:rPr>
               <a:t>dot( )</a:t>
             </a:r>
@@ -6426,6 +7984,7 @@
                   </a:solidFill>
                 </a:uFill>
                 <a:latin typeface="Arial"/>
+                <a:ea typeface="DejaVu Sans"/>
               </a:rPr>
               <a:t>可以使得数组也实现类似于矩阵乘法的运算</a:t>
             </a:r>
@@ -6453,6 +8012,7 @@
                   </a:solidFill>
                 </a:uFill>
                 <a:latin typeface="Arial"/>
+                <a:ea typeface="DejaVu Sans"/>
               </a:rPr>
               <a:t>例： </a:t>
             </a:r>
@@ -6467,6 +8027,7 @@
                   </a:solidFill>
                 </a:uFill>
                 <a:latin typeface="Arial"/>
+                <a:ea typeface="DejaVu Sans"/>
               </a:rPr>
               <a:t>a=array([[1,1],[2,2],[3,3]])  # 3×2</a:t>
             </a:r>
@@ -6481,6 +8042,7 @@
                   </a:solidFill>
                 </a:uFill>
                 <a:latin typeface="Arial"/>
+                <a:ea typeface="DejaVu Sans"/>
               </a:rPr>
               <a:t>维数组</a:t>
             </a:r>
@@ -6508,6 +8070,7 @@
                   </a:solidFill>
                 </a:uFill>
                 <a:latin typeface="Arial"/>
+                <a:ea typeface="DejaVu Sans"/>
               </a:rPr>
               <a:t>         </a:t>
             </a:r>
@@ -6522,6 +8085,7 @@
                   </a:solidFill>
                 </a:uFill>
                 <a:latin typeface="Arial"/>
+                <a:ea typeface="DejaVu Sans"/>
               </a:rPr>
               <a:t>b=array( [[1,2,3],[4,5,6]])   #2×3</a:t>
             </a:r>
@@ -6536,6 +8100,7 @@
                   </a:solidFill>
                 </a:uFill>
                 <a:latin typeface="Arial"/>
+                <a:ea typeface="DejaVu Sans"/>
               </a:rPr>
               <a:t>维数组</a:t>
             </a:r>
@@ -6576,6 +8141,7 @@
                   </a:solidFill>
                 </a:uFill>
                 <a:latin typeface="Arial"/>
+                <a:ea typeface="DejaVu Sans"/>
               </a:rPr>
               <a:t>         </a:t>
             </a:r>
@@ -6590,6 +8156,7 @@
                   </a:solidFill>
                 </a:uFill>
                 <a:latin typeface="Arial"/>
+                <a:ea typeface="DejaVu Sans"/>
               </a:rPr>
               <a:t>c=a*b   #</a:t>
             </a:r>
@@ -6604,6 +8171,7 @@
                   </a:solidFill>
                 </a:uFill>
                 <a:latin typeface="Arial"/>
+                <a:ea typeface="DejaVu Sans"/>
               </a:rPr>
               <a:t>报错</a:t>
             </a:r>
@@ -6631,6 +8199,7 @@
                   </a:solidFill>
                 </a:uFill>
                 <a:latin typeface="Arial"/>
+                <a:ea typeface="DejaVu Sans"/>
               </a:rPr>
               <a:t>         </a:t>
             </a:r>
@@ -6645,6 +8214,7 @@
                   </a:solidFill>
                 </a:uFill>
                 <a:latin typeface="Arial"/>
+                <a:ea typeface="DejaVu Sans"/>
               </a:rPr>
               <a:t>c=numpy.dot(a,b)  # array([ [ 5,  7,  9],</a:t>
             </a:r>
@@ -6672,6 +8242,7 @@
                   </a:solidFill>
                 </a:uFill>
                 <a:latin typeface="Arial"/>
+                <a:ea typeface="DejaVu Sans"/>
               </a:rPr>
               <a:t>                                                     </a:t>
             </a:r>
@@ -6686,6 +8257,7 @@
                   </a:solidFill>
                 </a:uFill>
                 <a:latin typeface="Arial"/>
+                <a:ea typeface="DejaVu Sans"/>
               </a:rPr>
               <a:t>[10, 14, 18],</a:t>
             </a:r>
@@ -6713,6 +8285,7 @@
                   </a:solidFill>
                 </a:uFill>
                 <a:latin typeface="Arial"/>
+                <a:ea typeface="DejaVu Sans"/>
               </a:rPr>
               <a:t>                                                     </a:t>
             </a:r>
@@ -6727,6 +8300,7 @@
                   </a:solidFill>
                 </a:uFill>
                 <a:latin typeface="Arial"/>
+                <a:ea typeface="DejaVu Sans"/>
               </a:rPr>
               <a:t>[15, 21, 27]  ])</a:t>
             </a:r>
@@ -6754,6 +8328,7 @@
                   </a:solidFill>
                 </a:uFill>
                 <a:latin typeface="Arial"/>
+                <a:ea typeface="DejaVu Sans"/>
               </a:rPr>
               <a:t>                                               </a:t>
             </a:r>
@@ -6768,6 +8343,7 @@
                   </a:solidFill>
                 </a:uFill>
                 <a:latin typeface="Arial"/>
+                <a:ea typeface="DejaVu Sans"/>
               </a:rPr>
               <a:t>#</a:t>
             </a:r>
@@ -6782,6 +8358,7 @@
                   </a:solidFill>
                 </a:uFill>
                 <a:latin typeface="Arial"/>
+                <a:ea typeface="DejaVu Sans"/>
               </a:rPr>
               <a:t>得到</a:t>
             </a:r>
@@ -6796,6 +8373,7 @@
                   </a:solidFill>
                 </a:uFill>
                 <a:latin typeface="Arial"/>
+                <a:ea typeface="DejaVu Sans"/>
               </a:rPr>
               <a:t>3×3</a:t>
             </a:r>
@@ -6810,6 +8388,7 @@
                   </a:solidFill>
                 </a:uFill>
                 <a:latin typeface="Arial"/>
+                <a:ea typeface="DejaVu Sans"/>
               </a:rPr>
               <a:t>维数组</a:t>
             </a:r>
@@ -6842,14 +8421,14 @@
       </p:sp>
       <p:sp>
         <p:nvSpPr>
-          <p:cNvPr id="111" name="TextShape 2"/>
-          <p:cNvSpPr txBox="1"/>
+          <p:cNvPr id="116" name="CustomShape 2"/>
+          <p:cNvSpPr/>
           <p:nvPr/>
         </p:nvSpPr>
         <p:spPr>
           <a:xfrm>
             <a:off x="2520000" y="792000"/>
-            <a:ext cx="5594040" cy="428760"/>
+            <a:ext cx="5592960" cy="427680"/>
           </a:xfrm>
           <a:prstGeom prst="rect">
             <a:avLst/>
@@ -6859,6 +8438,12 @@
             <a:noFill/>
           </a:ln>
         </p:spPr>
+        <p:style>
+          <a:lnRef idx="0"/>
+          <a:fillRef idx="0"/>
+          <a:effectRef idx="0"/>
+          <a:fontRef idx="minor"/>
+        </p:style>
         <p:txBody>
           <a:bodyPr lIns="90000" rIns="90000" tIns="45000" bIns="45000"/>
           <a:p>
@@ -6873,6 +8458,7 @@
                   </a:solidFill>
                 </a:uFill>
                 <a:latin typeface="Arial"/>
+                <a:ea typeface="DejaVu Sans"/>
               </a:rPr>
               <a:t>数组实现矩阵运算的方法：</a:t>
             </a:r>
@@ -6887,6 +8473,7 @@
                   </a:solidFill>
                 </a:uFill>
                 <a:latin typeface="Arial"/>
+                <a:ea typeface="DejaVu Sans"/>
               </a:rPr>
               <a:t>numpy.dot()  #</a:t>
             </a:r>
@@ -6901,6 +8488,7 @@
                   </a:solidFill>
                 </a:uFill>
                 <a:latin typeface="Arial"/>
+                <a:ea typeface="DejaVu Sans"/>
               </a:rPr>
               <a:t>点乘</a:t>
             </a:r>
@@ -6915,6 +8503,7 @@
                   </a:solidFill>
                 </a:uFill>
                 <a:latin typeface="Arial"/>
+                <a:ea typeface="DejaVu Sans"/>
               </a:rPr>
               <a:t>/</a:t>
             </a:r>
@@ -6929,6 +8518,7 @@
                   </a:solidFill>
                 </a:uFill>
                 <a:latin typeface="Arial"/>
+                <a:ea typeface="DejaVu Sans"/>
               </a:rPr>
               <a:t>内积</a:t>
             </a:r>
@@ -6997,14 +8587,14 @@
       </p:grpSpPr>
       <p:sp>
         <p:nvSpPr>
-          <p:cNvPr id="112" name="CustomShape 1"/>
+          <p:cNvPr id="117" name="CustomShape 1"/>
           <p:cNvSpPr/>
           <p:nvPr/>
         </p:nvSpPr>
         <p:spPr>
           <a:xfrm>
             <a:off x="6552000" y="2314440"/>
-            <a:ext cx="4407480" cy="564480"/>
+            <a:ext cx="4406400" cy="563400"/>
           </a:xfrm>
           <a:prstGeom prst="rect">
             <a:avLst/>
@@ -7074,7 +8664,7 @@
       </p:sp>
       <p:pic>
         <p:nvPicPr>
-          <p:cNvPr id="113" name="图片 3" descr=""/>
+          <p:cNvPr id="118" name="图片 3" descr=""/>
           <p:cNvPicPr/>
           <p:nvPr/>
         </p:nvPicPr>
@@ -7085,7 +8675,7 @@
         <p:spPr>
           <a:xfrm>
             <a:off x="637560" y="2980080"/>
-            <a:ext cx="4799880" cy="1410840"/>
+            <a:ext cx="4798800" cy="1409760"/>
           </a:xfrm>
           <a:prstGeom prst="rect">
             <a:avLst/>
@@ -7097,7 +8687,7 @@
       </p:pic>
       <p:pic>
         <p:nvPicPr>
-          <p:cNvPr id="114" name="图片 4" descr=""/>
+          <p:cNvPr id="119" name="图片 4" descr=""/>
           <p:cNvPicPr/>
           <p:nvPr/>
         </p:nvPicPr>
@@ -7108,7 +8698,7 @@
         <p:spPr>
           <a:xfrm>
             <a:off x="788760" y="2289240"/>
-            <a:ext cx="5618160" cy="445680"/>
+            <a:ext cx="5617080" cy="444600"/>
           </a:xfrm>
           <a:prstGeom prst="rect">
             <a:avLst/>
@@ -7120,7 +8710,7 @@
       </p:pic>
       <p:pic>
         <p:nvPicPr>
-          <p:cNvPr id="115" name="图片 5" descr=""/>
+          <p:cNvPr id="120" name="图片 5" descr=""/>
           <p:cNvPicPr/>
           <p:nvPr/>
         </p:nvPicPr>
@@ -7131,7 +8721,7 @@
         <p:spPr>
           <a:xfrm>
             <a:off x="432000" y="5040000"/>
-            <a:ext cx="6388560" cy="1049400"/>
+            <a:ext cx="6387480" cy="1048320"/>
           </a:xfrm>
           <a:prstGeom prst="rect">
             <a:avLst/>
@@ -7143,14 +8733,14 @@
       </p:pic>
       <p:sp>
         <p:nvSpPr>
-          <p:cNvPr id="116" name="CustomShape 2"/>
+          <p:cNvPr id="121" name="CustomShape 2"/>
           <p:cNvSpPr/>
           <p:nvPr/>
         </p:nvSpPr>
         <p:spPr>
           <a:xfrm>
             <a:off x="5438520" y="3079080"/>
-            <a:ext cx="5064120" cy="1311840"/>
+            <a:ext cx="5063040" cy="1310760"/>
           </a:xfrm>
           <a:prstGeom prst="rect">
             <a:avLst/>
@@ -7514,14 +9104,14 @@
       </p:sp>
       <p:sp>
         <p:nvSpPr>
-          <p:cNvPr id="117" name="CustomShape 3"/>
+          <p:cNvPr id="122" name="CustomShape 3"/>
           <p:cNvSpPr/>
           <p:nvPr/>
         </p:nvSpPr>
         <p:spPr>
           <a:xfrm>
             <a:off x="6552000" y="5288400"/>
-            <a:ext cx="4211640" cy="758520"/>
+            <a:ext cx="4210560" cy="757440"/>
           </a:xfrm>
           <a:prstGeom prst="rect">
             <a:avLst/>
@@ -7651,14 +9241,14 @@
       </p:sp>
       <p:sp>
         <p:nvSpPr>
-          <p:cNvPr id="118" name="CustomShape 4"/>
+          <p:cNvPr id="123" name="CustomShape 4"/>
           <p:cNvSpPr/>
           <p:nvPr/>
         </p:nvSpPr>
         <p:spPr>
           <a:xfrm>
             <a:off x="637560" y="216000"/>
-            <a:ext cx="9873360" cy="758520"/>
+            <a:ext cx="9872280" cy="757440"/>
           </a:xfrm>
           <a:prstGeom prst="rect">
             <a:avLst/>
@@ -8113,14 +9703,14 @@
       </p:grpSpPr>
       <p:sp>
         <p:nvSpPr>
-          <p:cNvPr id="119" name="CustomShape 1"/>
+          <p:cNvPr id="124" name="CustomShape 1"/>
           <p:cNvSpPr/>
           <p:nvPr/>
         </p:nvSpPr>
         <p:spPr>
           <a:xfrm>
             <a:off x="838080" y="365040"/>
-            <a:ext cx="10514160" cy="6329880"/>
+            <a:ext cx="10513080" cy="6328800"/>
           </a:xfrm>
           <a:prstGeom prst="rect">
             <a:avLst/>
@@ -9055,14 +10645,14 @@
       </p:grpSpPr>
       <p:sp>
         <p:nvSpPr>
-          <p:cNvPr id="120" name="CustomShape 1"/>
+          <p:cNvPr id="125" name="CustomShape 1"/>
           <p:cNvSpPr/>
           <p:nvPr/>
         </p:nvSpPr>
         <p:spPr>
           <a:xfrm>
             <a:off x="609480" y="273600"/>
-            <a:ext cx="10971720" cy="1144080"/>
+            <a:ext cx="10970640" cy="1143000"/>
           </a:xfrm>
           <a:prstGeom prst="rect">
             <a:avLst/>
@@ -9192,14 +10782,14 @@
       </p:sp>
       <p:sp>
         <p:nvSpPr>
-          <p:cNvPr id="121" name="CustomShape 2"/>
+          <p:cNvPr id="126" name="CustomShape 2"/>
           <p:cNvSpPr/>
           <p:nvPr/>
         </p:nvSpPr>
         <p:spPr>
           <a:xfrm>
             <a:off x="609480" y="1604520"/>
-            <a:ext cx="10971720" cy="3976560"/>
+            <a:ext cx="10970640" cy="3975480"/>
           </a:xfrm>
           <a:prstGeom prst="rect">
             <a:avLst/>
@@ -9218,7 +10808,7 @@
         <p:txBody>
           <a:bodyPr lIns="0" rIns="0" tIns="0" bIns="0"/>
           <a:p>
-            <a:pPr marL="432000" indent="-323280">
+            <a:pPr marL="432000" indent="-322200">
               <a:lnSpc>
                 <a:spcPct val="100000"/>
               </a:lnSpc>
@@ -9257,7 +10847,7 @@
             </a:endParaRPr>
           </a:p>
           <a:p>
-            <a:pPr marL="432000" indent="-323280">
+            <a:pPr marL="432000" indent="-322200">
               <a:lnSpc>
                 <a:spcPct val="100000"/>
               </a:lnSpc>
@@ -9311,7 +10901,7 @@
             </a:endParaRPr>
           </a:p>
           <a:p>
-            <a:pPr marL="432000" indent="-323280">
+            <a:pPr marL="432000" indent="-322200">
               <a:lnSpc>
                 <a:spcPct val="100000"/>
               </a:lnSpc>
@@ -9365,7 +10955,7 @@
             </a:endParaRPr>
           </a:p>
           <a:p>
-            <a:pPr marL="432000" indent="-323280">
+            <a:pPr marL="432000" indent="-322200">
               <a:lnSpc>
                 <a:spcPct val="100000"/>
               </a:lnSpc>
@@ -9404,7 +10994,7 @@
             </a:endParaRPr>
           </a:p>
           <a:p>
-            <a:pPr marL="432000" indent="-323280">
+            <a:pPr marL="432000" indent="-322200">
               <a:lnSpc>
                 <a:spcPct val="100000"/>
               </a:lnSpc>
@@ -9443,7 +11033,7 @@
             </a:endParaRPr>
           </a:p>
           <a:p>
-            <a:pPr marL="432000" indent="-323280">
+            <a:pPr marL="432000" indent="-322200">
               <a:lnSpc>
                 <a:spcPct val="100000"/>
               </a:lnSpc>
@@ -9497,7 +11087,7 @@
             </a:endParaRPr>
           </a:p>
           <a:p>
-            <a:pPr marL="432000" indent="-323280">
+            <a:pPr marL="432000" indent="-322200">
               <a:lnSpc>
                 <a:spcPct val="100000"/>
               </a:lnSpc>
@@ -9561,6 +11151,1313 @@
           <p:childTnLst>
             <p:seq>
               <p:cTn id="10" nodeType="mainSeq"/>
+              <p:prevCondLst>
+                <p:cond delay="0" evt="onPrev">
+                  <p:tgtEl>
+                    <p:sldTgt/>
+                  </p:tgtEl>
+                </p:cond>
+              </p:prevCondLst>
+              <p:nextCondLst>
+                <p:cond delay="0" evt="onNext">
+                  <p:tgtEl>
+                    <p:sldTgt/>
+                  </p:tgtEl>
+                </p:cond>
+              </p:nextCondLst>
+            </p:seq>
+          </p:childTnLst>
+        </p:cTn>
+      </p:par>
+    </p:tnLst>
+  </p:timing>
+</p:sld>
+</file>
+
+<file path=ppt/slides/slide6.xml><?xml version="1.0" encoding="utf-8"?>
+<p:sld xmlns:a="http://schemas.openxmlformats.org/drawingml/2006/main" xmlns:p="http://schemas.openxmlformats.org/presentationml/2006/main" xmlns:r="http://schemas.openxmlformats.org/officeDocument/2006/relationships" xmlns:p14="http://schemas.microsoft.com/office/powerpoint/2010/main" xmlns:p15="http://schemas.microsoft.com/office/powerpoint/2012/main" xmlns:mc="http://schemas.openxmlformats.org/markup-compatibility/2006">
+  <p:cSld>
+    <p:spTree>
+      <p:nvGrpSpPr>
+        <p:cNvPr id="1" name=""/>
+        <p:cNvGrpSpPr/>
+        <p:nvPr/>
+      </p:nvGrpSpPr>
+      <p:grpSpPr>
+        <a:xfrm>
+          <a:off x="0" y="0"/>
+          <a:ext cx="0" cy="0"/>
+          <a:chOff x="0" y="0"/>
+          <a:chExt cx="0" cy="0"/>
+        </a:xfrm>
+      </p:grpSpPr>
+      <p:sp>
+        <p:nvSpPr>
+          <p:cNvPr id="127" name="TextShape 1"/>
+          <p:cNvSpPr txBox="1"/>
+          <p:nvPr/>
+        </p:nvSpPr>
+        <p:spPr>
+          <a:xfrm>
+            <a:off x="1405800" y="360000"/>
+            <a:ext cx="7162200" cy="6215040"/>
+          </a:xfrm>
+          <a:prstGeom prst="rect">
+            <a:avLst/>
+          </a:prstGeom>
+          <a:noFill/>
+          <a:ln>
+            <a:noFill/>
+          </a:ln>
+        </p:spPr>
+        <p:txBody>
+          <a:bodyPr lIns="90000" rIns="90000" tIns="45000" bIns="45000"/>
+          <a:p>
+            <a:r>
+              <a:rPr b="0" lang="en-US" sz="1200" spc="-1" strike="noStrike">
+                <a:solidFill>
+                  <a:srgbClr val="000000"/>
+                </a:solidFill>
+                <a:uFill>
+                  <a:solidFill>
+                    <a:srgbClr val="ffffff"/>
+                  </a:solidFill>
+                </a:uFill>
+                <a:latin typeface="Noto Sans CJK KR Regular"/>
+                <a:ea typeface="Noto Sans CJK KR Regular"/>
+              </a:rPr>
+              <a:t>Python</a:t>
+            </a:r>
+            <a:r>
+              <a:rPr b="0" lang="en-US" sz="1200" spc="-1" strike="noStrike">
+                <a:solidFill>
+                  <a:srgbClr val="000000"/>
+                </a:solidFill>
+                <a:uFill>
+                  <a:solidFill>
+                    <a:srgbClr val="ffffff"/>
+                  </a:solidFill>
+                </a:uFill>
+                <a:latin typeface="Noto Sans CJK KR Regular"/>
+                <a:ea typeface="Noto Sans CJK KR Regular"/>
+              </a:rPr>
+              <a:t>有</a:t>
+            </a:r>
+            <a:r>
+              <a:rPr b="0" lang="en-US" sz="1200" spc="-1" strike="noStrike">
+                <a:solidFill>
+                  <a:srgbClr val="000000"/>
+                </a:solidFill>
+                <a:uFill>
+                  <a:solidFill>
+                    <a:srgbClr val="ffffff"/>
+                  </a:solidFill>
+                </a:uFill>
+                <a:latin typeface="Noto Sans CJK KR Regular"/>
+                <a:ea typeface="Noto Sans CJK KR Regular"/>
+              </a:rPr>
+              <a:t>3</a:t>
+            </a:r>
+            <a:r>
+              <a:rPr b="0" lang="en-US" sz="1200" spc="-1" strike="noStrike">
+                <a:solidFill>
+                  <a:srgbClr val="000000"/>
+                </a:solidFill>
+                <a:uFill>
+                  <a:solidFill>
+                    <a:srgbClr val="ffffff"/>
+                  </a:solidFill>
+                </a:uFill>
+                <a:latin typeface="Noto Sans CJK KR Regular"/>
+                <a:ea typeface="Noto Sans CJK KR Regular"/>
+              </a:rPr>
+              <a:t>种除法：传统除法、精确除法、地板除。</a:t>
+            </a:r>
+            <a:endParaRPr b="0" lang="en-US" sz="1800" spc="-1" strike="noStrike">
+              <a:solidFill>
+                <a:srgbClr val="000000"/>
+              </a:solidFill>
+              <a:uFill>
+                <a:solidFill>
+                  <a:srgbClr val="ffffff"/>
+                </a:solidFill>
+              </a:uFill>
+              <a:latin typeface="Arial"/>
+            </a:endParaRPr>
+          </a:p>
+          <a:p>
+            <a:r>
+              <a:rPr b="0" lang="en-US" sz="1200" spc="-1" strike="noStrike">
+                <a:solidFill>
+                  <a:srgbClr val="000000"/>
+                </a:solidFill>
+                <a:uFill>
+                  <a:solidFill>
+                    <a:srgbClr val="ffffff"/>
+                  </a:solidFill>
+                </a:uFill>
+                <a:latin typeface="Noto Sans CJK KR Regular"/>
+                <a:ea typeface="Noto Sans CJK KR Regular"/>
+              </a:rPr>
+              <a:t>1.</a:t>
+            </a:r>
+            <a:r>
+              <a:rPr b="0" lang="en-US" sz="1200" spc="-1" strike="noStrike">
+                <a:solidFill>
+                  <a:srgbClr val="000000"/>
+                </a:solidFill>
+                <a:uFill>
+                  <a:solidFill>
+                    <a:srgbClr val="ffffff"/>
+                  </a:solidFill>
+                </a:uFill>
+                <a:latin typeface="Noto Sans CJK KR Regular"/>
+                <a:ea typeface="Noto Sans CJK KR Regular"/>
+              </a:rPr>
+              <a:t>传统除法：（系统默认除法）</a:t>
+            </a:r>
+            <a:endParaRPr b="0" lang="en-US" sz="1800" spc="-1" strike="noStrike">
+              <a:solidFill>
+                <a:srgbClr val="000000"/>
+              </a:solidFill>
+              <a:uFill>
+                <a:solidFill>
+                  <a:srgbClr val="ffffff"/>
+                </a:solidFill>
+              </a:uFill>
+              <a:latin typeface="Arial"/>
+            </a:endParaRPr>
+          </a:p>
+          <a:p>
+            <a:r>
+              <a:rPr b="0" lang="en-US" sz="1200" spc="-1" strike="noStrike">
+                <a:solidFill>
+                  <a:srgbClr val="000000"/>
+                </a:solidFill>
+                <a:uFill>
+                  <a:solidFill>
+                    <a:srgbClr val="ffffff"/>
+                  </a:solidFill>
+                </a:uFill>
+                <a:latin typeface="Noto Sans CJK KR Regular"/>
+                <a:ea typeface="Noto Sans CJK KR Regular"/>
+              </a:rPr>
+              <a:t>如果是整数除法则执行“地板除”，如果是浮点数除法则执行“精确除法”。</a:t>
+            </a:r>
+            <a:endParaRPr b="0" lang="en-US" sz="1800" spc="-1" strike="noStrike">
+              <a:solidFill>
+                <a:srgbClr val="000000"/>
+              </a:solidFill>
+              <a:uFill>
+                <a:solidFill>
+                  <a:srgbClr val="ffffff"/>
+                </a:solidFill>
+              </a:uFill>
+              <a:latin typeface="Arial"/>
+            </a:endParaRPr>
+          </a:p>
+          <a:p>
+            <a:r>
+              <a:rPr b="0" lang="en-US" sz="1200" spc="-1" strike="noStrike">
+                <a:solidFill>
+                  <a:srgbClr val="000000"/>
+                </a:solidFill>
+                <a:uFill>
+                  <a:solidFill>
+                    <a:srgbClr val="ffffff"/>
+                  </a:solidFill>
+                </a:uFill>
+                <a:latin typeface="Noto Sans CJK KR Regular"/>
+                <a:ea typeface="Noto Sans CJK KR Regular"/>
+              </a:rPr>
+              <a:t>    </a:t>
+            </a:r>
+            <a:r>
+              <a:rPr b="0" lang="en-US" sz="1200" spc="-1" strike="noStrike">
+                <a:solidFill>
+                  <a:srgbClr val="000000"/>
+                </a:solidFill>
+                <a:uFill>
+                  <a:solidFill>
+                    <a:srgbClr val="ffffff"/>
+                  </a:solidFill>
+                </a:uFill>
+                <a:latin typeface="Noto Sans CJK KR Regular"/>
+                <a:ea typeface="Noto Sans CJK KR Regular"/>
+              </a:rPr>
+              <a:t>&gt;&gt;&gt;1/2  </a:t>
+            </a:r>
+            <a:endParaRPr b="0" lang="en-US" sz="1800" spc="-1" strike="noStrike">
+              <a:solidFill>
+                <a:srgbClr val="000000"/>
+              </a:solidFill>
+              <a:uFill>
+                <a:solidFill>
+                  <a:srgbClr val="ffffff"/>
+                </a:solidFill>
+              </a:uFill>
+              <a:latin typeface="Arial"/>
+            </a:endParaRPr>
+          </a:p>
+          <a:p>
+            <a:r>
+              <a:rPr b="0" lang="en-US" sz="1200" spc="-1" strike="noStrike">
+                <a:solidFill>
+                  <a:srgbClr val="000000"/>
+                </a:solidFill>
+                <a:uFill>
+                  <a:solidFill>
+                    <a:srgbClr val="ffffff"/>
+                  </a:solidFill>
+                </a:uFill>
+                <a:latin typeface="Noto Sans CJK KR Regular"/>
+                <a:ea typeface="Noto Sans CJK KR Regular"/>
+              </a:rPr>
+              <a:t>    </a:t>
+            </a:r>
+            <a:r>
+              <a:rPr b="0" lang="en-US" sz="1200" spc="-1" strike="noStrike">
+                <a:solidFill>
+                  <a:srgbClr val="000000"/>
+                </a:solidFill>
+                <a:uFill>
+                  <a:solidFill>
+                    <a:srgbClr val="ffffff"/>
+                  </a:solidFill>
+                </a:uFill>
+                <a:latin typeface="Noto Sans CJK KR Regular"/>
+                <a:ea typeface="Noto Sans CJK KR Regular"/>
+              </a:rPr>
+              <a:t>0  </a:t>
+            </a:r>
+            <a:endParaRPr b="0" lang="en-US" sz="1800" spc="-1" strike="noStrike">
+              <a:solidFill>
+                <a:srgbClr val="000000"/>
+              </a:solidFill>
+              <a:uFill>
+                <a:solidFill>
+                  <a:srgbClr val="ffffff"/>
+                </a:solidFill>
+              </a:uFill>
+              <a:latin typeface="Arial"/>
+            </a:endParaRPr>
+          </a:p>
+          <a:p>
+            <a:r>
+              <a:rPr b="0" lang="en-US" sz="1200" spc="-1" strike="noStrike">
+                <a:solidFill>
+                  <a:srgbClr val="000000"/>
+                </a:solidFill>
+                <a:uFill>
+                  <a:solidFill>
+                    <a:srgbClr val="ffffff"/>
+                  </a:solidFill>
+                </a:uFill>
+                <a:latin typeface="Noto Sans CJK KR Regular"/>
+                <a:ea typeface="Noto Sans CJK KR Regular"/>
+              </a:rPr>
+              <a:t>    </a:t>
+            </a:r>
+            <a:r>
+              <a:rPr b="0" lang="en-US" sz="1200" spc="-1" strike="noStrike">
+                <a:solidFill>
+                  <a:srgbClr val="000000"/>
+                </a:solidFill>
+                <a:uFill>
+                  <a:solidFill>
+                    <a:srgbClr val="ffffff"/>
+                  </a:solidFill>
+                </a:uFill>
+                <a:latin typeface="Noto Sans CJK KR Regular"/>
+                <a:ea typeface="Noto Sans CJK KR Regular"/>
+              </a:rPr>
+              <a:t>&gt;&gt;&gt;1.0/2.0  </a:t>
+            </a:r>
+            <a:endParaRPr b="0" lang="en-US" sz="1800" spc="-1" strike="noStrike">
+              <a:solidFill>
+                <a:srgbClr val="000000"/>
+              </a:solidFill>
+              <a:uFill>
+                <a:solidFill>
+                  <a:srgbClr val="ffffff"/>
+                </a:solidFill>
+              </a:uFill>
+              <a:latin typeface="Arial"/>
+            </a:endParaRPr>
+          </a:p>
+          <a:p>
+            <a:r>
+              <a:rPr b="0" lang="en-US" sz="1200" spc="-1" strike="noStrike">
+                <a:solidFill>
+                  <a:srgbClr val="000000"/>
+                </a:solidFill>
+                <a:uFill>
+                  <a:solidFill>
+                    <a:srgbClr val="ffffff"/>
+                  </a:solidFill>
+                </a:uFill>
+                <a:latin typeface="Noto Sans CJK KR Regular"/>
+                <a:ea typeface="Noto Sans CJK KR Regular"/>
+              </a:rPr>
+              <a:t>    </a:t>
+            </a:r>
+            <a:r>
+              <a:rPr b="0" lang="en-US" sz="1200" spc="-1" strike="noStrike">
+                <a:solidFill>
+                  <a:srgbClr val="000000"/>
+                </a:solidFill>
+                <a:uFill>
+                  <a:solidFill>
+                    <a:srgbClr val="ffffff"/>
+                  </a:solidFill>
+                </a:uFill>
+                <a:latin typeface="Noto Sans CJK KR Regular"/>
+                <a:ea typeface="Noto Sans CJK KR Regular"/>
+              </a:rPr>
+              <a:t>0.5  </a:t>
+            </a:r>
+            <a:endParaRPr b="0" lang="en-US" sz="1800" spc="-1" strike="noStrike">
+              <a:solidFill>
+                <a:srgbClr val="000000"/>
+              </a:solidFill>
+              <a:uFill>
+                <a:solidFill>
+                  <a:srgbClr val="ffffff"/>
+                </a:solidFill>
+              </a:uFill>
+              <a:latin typeface="Arial"/>
+            </a:endParaRPr>
+          </a:p>
+          <a:p>
+            <a:r>
+              <a:rPr b="0" lang="en-US" sz="1200" spc="-1" strike="noStrike">
+                <a:solidFill>
+                  <a:srgbClr val="000000"/>
+                </a:solidFill>
+                <a:uFill>
+                  <a:solidFill>
+                    <a:srgbClr val="ffffff"/>
+                  </a:solidFill>
+                </a:uFill>
+                <a:latin typeface="Noto Sans CJK KR Regular"/>
+                <a:ea typeface="Noto Sans CJK KR Regular"/>
+              </a:rPr>
+              <a:t> </a:t>
+            </a:r>
+            <a:r>
+              <a:rPr b="0" lang="en-US" sz="1200" spc="-1" strike="noStrike">
+                <a:solidFill>
+                  <a:srgbClr val="000000"/>
+                </a:solidFill>
+                <a:uFill>
+                  <a:solidFill>
+                    <a:srgbClr val="ffffff"/>
+                  </a:solidFill>
+                </a:uFill>
+                <a:latin typeface="Noto Sans CJK KR Regular"/>
+                <a:ea typeface="Noto Sans CJK KR Regular"/>
+              </a:rPr>
+              <a:t>&gt;&gt;&gt; -1/2.0  </a:t>
+            </a:r>
+            <a:endParaRPr b="0" lang="en-US" sz="1800" spc="-1" strike="noStrike">
+              <a:solidFill>
+                <a:srgbClr val="000000"/>
+              </a:solidFill>
+              <a:uFill>
+                <a:solidFill>
+                  <a:srgbClr val="ffffff"/>
+                </a:solidFill>
+              </a:uFill>
+              <a:latin typeface="Arial"/>
+            </a:endParaRPr>
+          </a:p>
+          <a:p>
+            <a:r>
+              <a:rPr b="0" lang="en-US" sz="1200" spc="-1" strike="noStrike">
+                <a:solidFill>
+                  <a:srgbClr val="000000"/>
+                </a:solidFill>
+                <a:uFill>
+                  <a:solidFill>
+                    <a:srgbClr val="ffffff"/>
+                  </a:solidFill>
+                </a:uFill>
+                <a:latin typeface="Noto Sans CJK KR Regular"/>
+                <a:ea typeface="Noto Sans CJK KR Regular"/>
+              </a:rPr>
+              <a:t>    </a:t>
+            </a:r>
+            <a:r>
+              <a:rPr b="0" lang="en-US" sz="1200" spc="-1" strike="noStrike">
+                <a:solidFill>
+                  <a:srgbClr val="000000"/>
+                </a:solidFill>
+                <a:uFill>
+                  <a:solidFill>
+                    <a:srgbClr val="ffffff"/>
+                  </a:solidFill>
+                </a:uFill>
+                <a:latin typeface="Noto Sans CJK KR Regular"/>
+                <a:ea typeface="Noto Sans CJK KR Regular"/>
+              </a:rPr>
+              <a:t>-1  </a:t>
+            </a:r>
+            <a:endParaRPr b="0" lang="en-US" sz="1800" spc="-1" strike="noStrike">
+              <a:solidFill>
+                <a:srgbClr val="000000"/>
+              </a:solidFill>
+              <a:uFill>
+                <a:solidFill>
+                  <a:srgbClr val="ffffff"/>
+                </a:solidFill>
+              </a:uFill>
+              <a:latin typeface="Arial"/>
+            </a:endParaRPr>
+          </a:p>
+          <a:p>
+            <a:r>
+              <a:rPr b="0" lang="en-US" sz="1200" spc="-1" strike="noStrike">
+                <a:solidFill>
+                  <a:srgbClr val="000000"/>
+                </a:solidFill>
+                <a:uFill>
+                  <a:solidFill>
+                    <a:srgbClr val="ffffff"/>
+                  </a:solidFill>
+                </a:uFill>
+                <a:latin typeface="Noto Sans CJK KR Regular"/>
+                <a:ea typeface="Noto Sans CJK KR Regular"/>
+              </a:rPr>
+              <a:t>2.</a:t>
+            </a:r>
+            <a:r>
+              <a:rPr b="0" lang="en-US" sz="1200" spc="-1" strike="noStrike">
+                <a:solidFill>
+                  <a:srgbClr val="000000"/>
+                </a:solidFill>
+                <a:uFill>
+                  <a:solidFill>
+                    <a:srgbClr val="ffffff"/>
+                  </a:solidFill>
+                </a:uFill>
+                <a:latin typeface="Noto Sans CJK KR Regular"/>
+                <a:ea typeface="Noto Sans CJK KR Regular"/>
+              </a:rPr>
+              <a:t>精确除法</a:t>
+            </a:r>
+            <a:r>
+              <a:rPr b="0" lang="en-US" sz="1200" spc="-1" strike="noStrike">
+                <a:solidFill>
+                  <a:srgbClr val="000000"/>
+                </a:solidFill>
+                <a:uFill>
+                  <a:solidFill>
+                    <a:srgbClr val="ffffff"/>
+                  </a:solidFill>
+                </a:uFill>
+                <a:latin typeface="Noto Sans CJK KR Regular"/>
+                <a:ea typeface="Noto Sans CJK KR Regular"/>
+              </a:rPr>
+              <a:t>:</a:t>
+            </a:r>
+            <a:endParaRPr b="0" lang="en-US" sz="1800" spc="-1" strike="noStrike">
+              <a:solidFill>
+                <a:srgbClr val="000000"/>
+              </a:solidFill>
+              <a:uFill>
+                <a:solidFill>
+                  <a:srgbClr val="ffffff"/>
+                </a:solidFill>
+              </a:uFill>
+              <a:latin typeface="Arial"/>
+            </a:endParaRPr>
+          </a:p>
+          <a:p>
+            <a:r>
+              <a:rPr b="0" lang="en-US" sz="1200" spc="-1" strike="noStrike">
+                <a:solidFill>
+                  <a:srgbClr val="000000"/>
+                </a:solidFill>
+                <a:uFill>
+                  <a:solidFill>
+                    <a:srgbClr val="ffffff"/>
+                  </a:solidFill>
+                </a:uFill>
+                <a:latin typeface="Noto Sans CJK KR Regular"/>
+                <a:ea typeface="Noto Sans CJK KR Regular"/>
+              </a:rPr>
+              <a:t>除法总是会返回真实的商，不管操作数是整形还是浮点型。</a:t>
+            </a:r>
+            <a:endParaRPr b="0" lang="en-US" sz="1800" spc="-1" strike="noStrike">
+              <a:solidFill>
+                <a:srgbClr val="000000"/>
+              </a:solidFill>
+              <a:uFill>
+                <a:solidFill>
+                  <a:srgbClr val="ffffff"/>
+                </a:solidFill>
+              </a:uFill>
+              <a:latin typeface="Arial"/>
+            </a:endParaRPr>
+          </a:p>
+          <a:p>
+            <a:r>
+              <a:rPr b="0" lang="en-US" sz="1200" spc="-1" strike="noStrike">
+                <a:solidFill>
+                  <a:srgbClr val="000000"/>
+                </a:solidFill>
+                <a:uFill>
+                  <a:solidFill>
+                    <a:srgbClr val="ffffff"/>
+                  </a:solidFill>
+                </a:uFill>
+                <a:latin typeface="Noto Sans CJK KR Regular"/>
+                <a:ea typeface="Noto Sans CJK KR Regular"/>
+              </a:rPr>
+              <a:t>执行</a:t>
+            </a:r>
+            <a:r>
+              <a:rPr b="0" lang="en-US" sz="1200" spc="-1" strike="noStrike">
+                <a:solidFill>
+                  <a:srgbClr val="000000"/>
+                </a:solidFill>
+                <a:uFill>
+                  <a:solidFill>
+                    <a:srgbClr val="ffffff"/>
+                  </a:solidFill>
+                </a:uFill>
+                <a:latin typeface="Noto Sans CJK KR Regular"/>
+                <a:ea typeface="Noto Sans CJK KR Regular"/>
+              </a:rPr>
+              <a:t>from __future__ import division </a:t>
+            </a:r>
+            <a:r>
+              <a:rPr b="0" lang="en-US" sz="1200" spc="-1" strike="noStrike">
+                <a:solidFill>
+                  <a:srgbClr val="000000"/>
+                </a:solidFill>
+                <a:uFill>
+                  <a:solidFill>
+                    <a:srgbClr val="ffffff"/>
+                  </a:solidFill>
+                </a:uFill>
+                <a:latin typeface="Noto Sans CJK KR Regular"/>
+                <a:ea typeface="Noto Sans CJK KR Regular"/>
+              </a:rPr>
+              <a:t>指令就可以做到这一点。</a:t>
+            </a:r>
+            <a:endParaRPr b="0" lang="en-US" sz="1800" spc="-1" strike="noStrike">
+              <a:solidFill>
+                <a:srgbClr val="000000"/>
+              </a:solidFill>
+              <a:uFill>
+                <a:solidFill>
+                  <a:srgbClr val="ffffff"/>
+                </a:solidFill>
+              </a:uFill>
+              <a:latin typeface="Arial"/>
+            </a:endParaRPr>
+          </a:p>
+          <a:p>
+            <a:r>
+              <a:rPr b="0" lang="en-US" sz="1200" spc="-1" strike="noStrike">
+                <a:solidFill>
+                  <a:srgbClr val="000000"/>
+                </a:solidFill>
+                <a:uFill>
+                  <a:solidFill>
+                    <a:srgbClr val="ffffff"/>
+                  </a:solidFill>
+                </a:uFill>
+                <a:latin typeface="Noto Sans CJK KR Regular"/>
+                <a:ea typeface="Noto Sans CJK KR Regular"/>
+              </a:rPr>
+              <a:t>    </a:t>
+            </a:r>
+            <a:r>
+              <a:rPr b="0" lang="en-US" sz="1200" spc="-1" strike="noStrike">
+                <a:solidFill>
+                  <a:srgbClr val="000000"/>
+                </a:solidFill>
+                <a:uFill>
+                  <a:solidFill>
+                    <a:srgbClr val="ffffff"/>
+                  </a:solidFill>
+                </a:uFill>
+                <a:latin typeface="Noto Sans CJK KR Regular"/>
+                <a:ea typeface="Noto Sans CJK KR Regular"/>
+              </a:rPr>
+              <a:t>&gt;&gt;&gt;from __future__ import division  </a:t>
+            </a:r>
+            <a:endParaRPr b="0" lang="en-US" sz="1800" spc="-1" strike="noStrike">
+              <a:solidFill>
+                <a:srgbClr val="000000"/>
+              </a:solidFill>
+              <a:uFill>
+                <a:solidFill>
+                  <a:srgbClr val="ffffff"/>
+                </a:solidFill>
+              </a:uFill>
+              <a:latin typeface="Arial"/>
+            </a:endParaRPr>
+          </a:p>
+          <a:p>
+            <a:r>
+              <a:rPr b="0" lang="en-US" sz="1200" spc="-1" strike="noStrike">
+                <a:solidFill>
+                  <a:srgbClr val="000000"/>
+                </a:solidFill>
+                <a:uFill>
+                  <a:solidFill>
+                    <a:srgbClr val="ffffff"/>
+                  </a:solidFill>
+                </a:uFill>
+                <a:latin typeface="Noto Sans CJK KR Regular"/>
+                <a:ea typeface="Noto Sans CJK KR Regular"/>
+              </a:rPr>
+              <a:t>    </a:t>
+            </a:r>
+            <a:r>
+              <a:rPr b="0" lang="en-US" sz="1200" spc="-1" strike="noStrike">
+                <a:solidFill>
+                  <a:srgbClr val="000000"/>
+                </a:solidFill>
+                <a:uFill>
+                  <a:solidFill>
+                    <a:srgbClr val="ffffff"/>
+                  </a:solidFill>
+                </a:uFill>
+                <a:latin typeface="Noto Sans CJK KR Regular"/>
+                <a:ea typeface="Noto Sans CJK KR Regular"/>
+              </a:rPr>
+              <a:t>&gt;&gt;&gt;1/2  </a:t>
+            </a:r>
+            <a:endParaRPr b="0" lang="en-US" sz="1800" spc="-1" strike="noStrike">
+              <a:solidFill>
+                <a:srgbClr val="000000"/>
+              </a:solidFill>
+              <a:uFill>
+                <a:solidFill>
+                  <a:srgbClr val="ffffff"/>
+                </a:solidFill>
+              </a:uFill>
+              <a:latin typeface="Arial"/>
+            </a:endParaRPr>
+          </a:p>
+          <a:p>
+            <a:r>
+              <a:rPr b="0" lang="en-US" sz="1200" spc="-1" strike="noStrike">
+                <a:solidFill>
+                  <a:srgbClr val="000000"/>
+                </a:solidFill>
+                <a:uFill>
+                  <a:solidFill>
+                    <a:srgbClr val="ffffff"/>
+                  </a:solidFill>
+                </a:uFill>
+                <a:latin typeface="Noto Sans CJK KR Regular"/>
+                <a:ea typeface="Noto Sans CJK KR Regular"/>
+              </a:rPr>
+              <a:t>    </a:t>
+            </a:r>
+            <a:r>
+              <a:rPr b="0" lang="en-US" sz="1200" spc="-1" strike="noStrike">
+                <a:solidFill>
+                  <a:srgbClr val="000000"/>
+                </a:solidFill>
+                <a:uFill>
+                  <a:solidFill>
+                    <a:srgbClr val="ffffff"/>
+                  </a:solidFill>
+                </a:uFill>
+                <a:latin typeface="Noto Sans CJK KR Regular"/>
+                <a:ea typeface="Noto Sans CJK KR Regular"/>
+              </a:rPr>
+              <a:t>0.5  </a:t>
+            </a:r>
+            <a:endParaRPr b="0" lang="en-US" sz="1800" spc="-1" strike="noStrike">
+              <a:solidFill>
+                <a:srgbClr val="000000"/>
+              </a:solidFill>
+              <a:uFill>
+                <a:solidFill>
+                  <a:srgbClr val="ffffff"/>
+                </a:solidFill>
+              </a:uFill>
+              <a:latin typeface="Arial"/>
+            </a:endParaRPr>
+          </a:p>
+          <a:p>
+            <a:r>
+              <a:rPr b="0" lang="en-US" sz="1200" spc="-1" strike="noStrike">
+                <a:solidFill>
+                  <a:srgbClr val="000000"/>
+                </a:solidFill>
+                <a:uFill>
+                  <a:solidFill>
+                    <a:srgbClr val="ffffff"/>
+                  </a:solidFill>
+                </a:uFill>
+                <a:latin typeface="Noto Sans CJK KR Regular"/>
+                <a:ea typeface="Noto Sans CJK KR Regular"/>
+              </a:rPr>
+              <a:t>    </a:t>
+            </a:r>
+            <a:r>
+              <a:rPr b="0" lang="en-US" sz="1200" spc="-1" strike="noStrike">
+                <a:solidFill>
+                  <a:srgbClr val="000000"/>
+                </a:solidFill>
+                <a:uFill>
+                  <a:solidFill>
+                    <a:srgbClr val="ffffff"/>
+                  </a:solidFill>
+                </a:uFill>
+                <a:latin typeface="Noto Sans CJK KR Regular"/>
+                <a:ea typeface="Noto Sans CJK KR Regular"/>
+              </a:rPr>
+              <a:t>&gt;&gt;&gt;1.0/2.0  </a:t>
+            </a:r>
+            <a:endParaRPr b="0" lang="en-US" sz="1800" spc="-1" strike="noStrike">
+              <a:solidFill>
+                <a:srgbClr val="000000"/>
+              </a:solidFill>
+              <a:uFill>
+                <a:solidFill>
+                  <a:srgbClr val="ffffff"/>
+                </a:solidFill>
+              </a:uFill>
+              <a:latin typeface="Arial"/>
+            </a:endParaRPr>
+          </a:p>
+          <a:p>
+            <a:r>
+              <a:rPr b="0" lang="en-US" sz="1200" spc="-1" strike="noStrike">
+                <a:solidFill>
+                  <a:srgbClr val="000000"/>
+                </a:solidFill>
+                <a:uFill>
+                  <a:solidFill>
+                    <a:srgbClr val="ffffff"/>
+                  </a:solidFill>
+                </a:uFill>
+                <a:latin typeface="Noto Sans CJK KR Regular"/>
+                <a:ea typeface="Noto Sans CJK KR Regular"/>
+              </a:rPr>
+              <a:t>    </a:t>
+            </a:r>
+            <a:r>
+              <a:rPr b="0" lang="en-US" sz="1200" spc="-1" strike="noStrike">
+                <a:solidFill>
+                  <a:srgbClr val="000000"/>
+                </a:solidFill>
+                <a:uFill>
+                  <a:solidFill>
+                    <a:srgbClr val="ffffff"/>
+                  </a:solidFill>
+                </a:uFill>
+                <a:latin typeface="Noto Sans CJK KR Regular"/>
+                <a:ea typeface="Noto Sans CJK KR Regular"/>
+              </a:rPr>
+              <a:t>0.5  </a:t>
+            </a:r>
+            <a:endParaRPr b="0" lang="en-US" sz="1800" spc="-1" strike="noStrike">
+              <a:solidFill>
+                <a:srgbClr val="000000"/>
+              </a:solidFill>
+              <a:uFill>
+                <a:solidFill>
+                  <a:srgbClr val="ffffff"/>
+                </a:solidFill>
+              </a:uFill>
+              <a:latin typeface="Arial"/>
+            </a:endParaRPr>
+          </a:p>
+          <a:p>
+            <a:r>
+              <a:rPr b="0" lang="en-US" sz="1200" spc="-1" strike="noStrike">
+                <a:solidFill>
+                  <a:srgbClr val="000000"/>
+                </a:solidFill>
+                <a:uFill>
+                  <a:solidFill>
+                    <a:srgbClr val="ffffff"/>
+                  </a:solidFill>
+                </a:uFill>
+                <a:latin typeface="Noto Sans CJK KR Regular"/>
+                <a:ea typeface="Noto Sans CJK KR Regular"/>
+              </a:rPr>
+              <a:t>3.</a:t>
+            </a:r>
+            <a:r>
+              <a:rPr b="0" lang="en-US" sz="1200" spc="-1" strike="noStrike">
+                <a:solidFill>
+                  <a:srgbClr val="000000"/>
+                </a:solidFill>
+                <a:uFill>
+                  <a:solidFill>
+                    <a:srgbClr val="ffffff"/>
+                  </a:solidFill>
+                </a:uFill>
+                <a:latin typeface="Noto Sans CJK KR Regular"/>
+                <a:ea typeface="Noto Sans CJK KR Regular"/>
+              </a:rPr>
+              <a:t>地板除</a:t>
+            </a:r>
+            <a:endParaRPr b="0" lang="en-US" sz="1800" spc="-1" strike="noStrike">
+              <a:solidFill>
+                <a:srgbClr val="000000"/>
+              </a:solidFill>
+              <a:uFill>
+                <a:solidFill>
+                  <a:srgbClr val="ffffff"/>
+                </a:solidFill>
+              </a:uFill>
+              <a:latin typeface="Arial"/>
+            </a:endParaRPr>
+          </a:p>
+          <a:p>
+            <a:r>
+              <a:rPr b="0" lang="en-US" sz="1200" spc="-1" strike="noStrike">
+                <a:solidFill>
+                  <a:srgbClr val="000000"/>
+                </a:solidFill>
+                <a:uFill>
+                  <a:solidFill>
+                    <a:srgbClr val="ffffff"/>
+                  </a:solidFill>
+                </a:uFill>
+                <a:latin typeface="Noto Sans CJK KR Regular"/>
+                <a:ea typeface="Noto Sans CJK KR Regular"/>
+              </a:rPr>
+              <a:t>从</a:t>
+            </a:r>
+            <a:r>
+              <a:rPr b="0" lang="en-US" sz="1200" spc="-1" strike="noStrike">
+                <a:solidFill>
+                  <a:srgbClr val="000000"/>
+                </a:solidFill>
+                <a:uFill>
+                  <a:solidFill>
+                    <a:srgbClr val="ffffff"/>
+                  </a:solidFill>
+                </a:uFill>
+                <a:latin typeface="Noto Sans CJK KR Regular"/>
+                <a:ea typeface="Noto Sans CJK KR Regular"/>
+              </a:rPr>
+              <a:t>Python2.2</a:t>
+            </a:r>
+            <a:r>
+              <a:rPr b="0" lang="en-US" sz="1200" spc="-1" strike="noStrike">
+                <a:solidFill>
+                  <a:srgbClr val="000000"/>
+                </a:solidFill>
+                <a:uFill>
+                  <a:solidFill>
+                    <a:srgbClr val="ffffff"/>
+                  </a:solidFill>
+                </a:uFill>
+                <a:latin typeface="Noto Sans CJK KR Regular"/>
+                <a:ea typeface="Noto Sans CJK KR Regular"/>
+              </a:rPr>
+              <a:t>开始，增加了一个操作符 </a:t>
+            </a:r>
+            <a:r>
+              <a:rPr b="0" lang="en-US" sz="1200" spc="-1" strike="noStrike">
+                <a:solidFill>
+                  <a:srgbClr val="000000"/>
+                </a:solidFill>
+                <a:uFill>
+                  <a:solidFill>
+                    <a:srgbClr val="ffffff"/>
+                  </a:solidFill>
+                </a:uFill>
+                <a:latin typeface="Noto Sans CJK KR Regular"/>
+                <a:ea typeface="Noto Sans CJK KR Regular"/>
+              </a:rPr>
+              <a:t>// </a:t>
+            </a:r>
+            <a:r>
+              <a:rPr b="0" lang="en-US" sz="1200" spc="-1" strike="noStrike">
+                <a:solidFill>
+                  <a:srgbClr val="000000"/>
+                </a:solidFill>
+                <a:uFill>
+                  <a:solidFill>
+                    <a:srgbClr val="ffffff"/>
+                  </a:solidFill>
+                </a:uFill>
+                <a:latin typeface="Noto Sans CJK KR Regular"/>
+                <a:ea typeface="Noto Sans CJK KR Regular"/>
+              </a:rPr>
+              <a:t>，以执行地板除：</a:t>
+            </a:r>
+            <a:r>
+              <a:rPr b="0" lang="en-US" sz="1200" spc="-1" strike="noStrike">
+                <a:solidFill>
+                  <a:srgbClr val="000000"/>
+                </a:solidFill>
+                <a:uFill>
+                  <a:solidFill>
+                    <a:srgbClr val="ffffff"/>
+                  </a:solidFill>
+                </a:uFill>
+                <a:latin typeface="Noto Sans CJK KR Regular"/>
+                <a:ea typeface="Noto Sans CJK KR Regular"/>
+              </a:rPr>
+              <a:t>//</a:t>
+            </a:r>
+            <a:endParaRPr b="0" lang="en-US" sz="1800" spc="-1" strike="noStrike">
+              <a:solidFill>
+                <a:srgbClr val="000000"/>
+              </a:solidFill>
+              <a:uFill>
+                <a:solidFill>
+                  <a:srgbClr val="ffffff"/>
+                </a:solidFill>
+              </a:uFill>
+              <a:latin typeface="Arial"/>
+            </a:endParaRPr>
+          </a:p>
+          <a:p>
+            <a:r>
+              <a:rPr b="0" lang="en-US" sz="1200" spc="-1" strike="noStrike">
+                <a:solidFill>
+                  <a:srgbClr val="000000"/>
+                </a:solidFill>
+                <a:uFill>
+                  <a:solidFill>
+                    <a:srgbClr val="ffffff"/>
+                  </a:solidFill>
+                </a:uFill>
+                <a:latin typeface="Noto Sans CJK KR Regular"/>
+                <a:ea typeface="Noto Sans CJK KR Regular"/>
+              </a:rPr>
+              <a:t>除法不管操作数为何种数值类型，总是会舍去小数部分，</a:t>
+            </a:r>
+            <a:endParaRPr b="0" lang="en-US" sz="1800" spc="-1" strike="noStrike">
+              <a:solidFill>
+                <a:srgbClr val="000000"/>
+              </a:solidFill>
+              <a:uFill>
+                <a:solidFill>
+                  <a:srgbClr val="ffffff"/>
+                </a:solidFill>
+              </a:uFill>
+              <a:latin typeface="Arial"/>
+            </a:endParaRPr>
+          </a:p>
+          <a:p>
+            <a:r>
+              <a:rPr b="0" lang="en-US" sz="1200" spc="-1" strike="noStrike">
+                <a:solidFill>
+                  <a:srgbClr val="000000"/>
+                </a:solidFill>
+                <a:uFill>
+                  <a:solidFill>
+                    <a:srgbClr val="ffffff"/>
+                  </a:solidFill>
+                </a:uFill>
+                <a:latin typeface="Noto Sans CJK KR Regular"/>
+                <a:ea typeface="Noto Sans CJK KR Regular"/>
+              </a:rPr>
+              <a:t>返回数字序列中比真正的商小的最接近的数字。</a:t>
+            </a:r>
+            <a:endParaRPr b="0" lang="en-US" sz="1800" spc="-1" strike="noStrike">
+              <a:solidFill>
+                <a:srgbClr val="000000"/>
+              </a:solidFill>
+              <a:uFill>
+                <a:solidFill>
+                  <a:srgbClr val="ffffff"/>
+                </a:solidFill>
+              </a:uFill>
+              <a:latin typeface="Arial"/>
+            </a:endParaRPr>
+          </a:p>
+          <a:p>
+            <a:r>
+              <a:rPr b="0" lang="en-US" sz="1200" spc="-1" strike="noStrike">
+                <a:solidFill>
+                  <a:srgbClr val="000000"/>
+                </a:solidFill>
+                <a:uFill>
+                  <a:solidFill>
+                    <a:srgbClr val="ffffff"/>
+                  </a:solidFill>
+                </a:uFill>
+                <a:latin typeface="Noto Sans CJK KR Regular"/>
+                <a:ea typeface="Noto Sans CJK KR Regular"/>
+              </a:rPr>
+              <a:t>    </a:t>
+            </a:r>
+            <a:r>
+              <a:rPr b="0" lang="en-US" sz="1200" spc="-1" strike="noStrike">
+                <a:solidFill>
+                  <a:srgbClr val="000000"/>
+                </a:solidFill>
+                <a:uFill>
+                  <a:solidFill>
+                    <a:srgbClr val="ffffff"/>
+                  </a:solidFill>
+                </a:uFill>
+                <a:latin typeface="Noto Sans CJK KR Regular"/>
+                <a:ea typeface="Noto Sans CJK KR Regular"/>
+              </a:rPr>
+              <a:t>&gt;&gt;&gt;1//2  </a:t>
+            </a:r>
+            <a:endParaRPr b="0" lang="en-US" sz="1800" spc="-1" strike="noStrike">
+              <a:solidFill>
+                <a:srgbClr val="000000"/>
+              </a:solidFill>
+              <a:uFill>
+                <a:solidFill>
+                  <a:srgbClr val="ffffff"/>
+                </a:solidFill>
+              </a:uFill>
+              <a:latin typeface="Arial"/>
+            </a:endParaRPr>
+          </a:p>
+          <a:p>
+            <a:r>
+              <a:rPr b="0" lang="en-US" sz="1200" spc="-1" strike="noStrike">
+                <a:solidFill>
+                  <a:srgbClr val="000000"/>
+                </a:solidFill>
+                <a:uFill>
+                  <a:solidFill>
+                    <a:srgbClr val="ffffff"/>
+                  </a:solidFill>
+                </a:uFill>
+                <a:latin typeface="Noto Sans CJK KR Regular"/>
+                <a:ea typeface="Noto Sans CJK KR Regular"/>
+              </a:rPr>
+              <a:t>    </a:t>
+            </a:r>
+            <a:r>
+              <a:rPr b="0" lang="en-US" sz="1200" spc="-1" strike="noStrike">
+                <a:solidFill>
+                  <a:srgbClr val="000000"/>
+                </a:solidFill>
+                <a:uFill>
+                  <a:solidFill>
+                    <a:srgbClr val="ffffff"/>
+                  </a:solidFill>
+                </a:uFill>
+                <a:latin typeface="Noto Sans CJK KR Regular"/>
+                <a:ea typeface="Noto Sans CJK KR Regular"/>
+              </a:rPr>
+              <a:t>0  </a:t>
+            </a:r>
+            <a:endParaRPr b="0" lang="en-US" sz="1800" spc="-1" strike="noStrike">
+              <a:solidFill>
+                <a:srgbClr val="000000"/>
+              </a:solidFill>
+              <a:uFill>
+                <a:solidFill>
+                  <a:srgbClr val="ffffff"/>
+                </a:solidFill>
+              </a:uFill>
+              <a:latin typeface="Arial"/>
+            </a:endParaRPr>
+          </a:p>
+          <a:p>
+            <a:r>
+              <a:rPr b="0" lang="en-US" sz="1200" spc="-1" strike="noStrike">
+                <a:solidFill>
+                  <a:srgbClr val="000000"/>
+                </a:solidFill>
+                <a:uFill>
+                  <a:solidFill>
+                    <a:srgbClr val="ffffff"/>
+                  </a:solidFill>
+                </a:uFill>
+                <a:latin typeface="Noto Sans CJK KR Regular"/>
+                <a:ea typeface="Noto Sans CJK KR Regular"/>
+              </a:rPr>
+              <a:t>    </a:t>
+            </a:r>
+            <a:r>
+              <a:rPr b="0" lang="en-US" sz="1200" spc="-1" strike="noStrike">
+                <a:solidFill>
+                  <a:srgbClr val="000000"/>
+                </a:solidFill>
+                <a:uFill>
+                  <a:solidFill>
+                    <a:srgbClr val="ffffff"/>
+                  </a:solidFill>
+                </a:uFill>
+                <a:latin typeface="Noto Sans CJK KR Regular"/>
+                <a:ea typeface="Noto Sans CJK KR Regular"/>
+              </a:rPr>
+              <a:t>&gt;&gt;&gt;1.0//2  </a:t>
+            </a:r>
+            <a:endParaRPr b="0" lang="en-US" sz="1800" spc="-1" strike="noStrike">
+              <a:solidFill>
+                <a:srgbClr val="000000"/>
+              </a:solidFill>
+              <a:uFill>
+                <a:solidFill>
+                  <a:srgbClr val="ffffff"/>
+                </a:solidFill>
+              </a:uFill>
+              <a:latin typeface="Arial"/>
+            </a:endParaRPr>
+          </a:p>
+          <a:p>
+            <a:r>
+              <a:rPr b="0" lang="en-US" sz="1200" spc="-1" strike="noStrike">
+                <a:solidFill>
+                  <a:srgbClr val="000000"/>
+                </a:solidFill>
+                <a:uFill>
+                  <a:solidFill>
+                    <a:srgbClr val="ffffff"/>
+                  </a:solidFill>
+                </a:uFill>
+                <a:latin typeface="Noto Sans CJK KR Regular"/>
+                <a:ea typeface="Noto Sans CJK KR Regular"/>
+              </a:rPr>
+              <a:t>    </a:t>
+            </a:r>
+            <a:r>
+              <a:rPr b="0" lang="en-US" sz="1200" spc="-1" strike="noStrike">
+                <a:solidFill>
+                  <a:srgbClr val="000000"/>
+                </a:solidFill>
+                <a:uFill>
+                  <a:solidFill>
+                    <a:srgbClr val="ffffff"/>
+                  </a:solidFill>
+                </a:uFill>
+                <a:latin typeface="Noto Sans CJK KR Regular"/>
+                <a:ea typeface="Noto Sans CJK KR Regular"/>
+              </a:rPr>
+              <a:t>0  </a:t>
+            </a:r>
+            <a:endParaRPr b="0" lang="en-US" sz="1800" spc="-1" strike="noStrike">
+              <a:solidFill>
+                <a:srgbClr val="000000"/>
+              </a:solidFill>
+              <a:uFill>
+                <a:solidFill>
+                  <a:srgbClr val="ffffff"/>
+                </a:solidFill>
+              </a:uFill>
+              <a:latin typeface="Arial"/>
+            </a:endParaRPr>
+          </a:p>
+          <a:p>
+            <a:r>
+              <a:rPr b="0" lang="en-US" sz="1200" spc="-1" strike="noStrike">
+                <a:solidFill>
+                  <a:srgbClr val="000000"/>
+                </a:solidFill>
+                <a:uFill>
+                  <a:solidFill>
+                    <a:srgbClr val="ffffff"/>
+                  </a:solidFill>
+                </a:uFill>
+                <a:latin typeface="Noto Sans CJK KR Regular"/>
+                <a:ea typeface="Noto Sans CJK KR Regular"/>
+              </a:rPr>
+              <a:t>    </a:t>
+            </a:r>
+            <a:r>
+              <a:rPr b="0" lang="en-US" sz="1200" spc="-1" strike="noStrike">
+                <a:solidFill>
+                  <a:srgbClr val="000000"/>
+                </a:solidFill>
+                <a:uFill>
+                  <a:solidFill>
+                    <a:srgbClr val="ffffff"/>
+                  </a:solidFill>
+                </a:uFill>
+                <a:latin typeface="Noto Sans CJK KR Regular"/>
+                <a:ea typeface="Noto Sans CJK KR Regular"/>
+              </a:rPr>
+              <a:t>&gt;&gt;&gt;-1//2.0  </a:t>
+            </a:r>
+            <a:endParaRPr b="0" lang="en-US" sz="1800" spc="-1" strike="noStrike">
+              <a:solidFill>
+                <a:srgbClr val="000000"/>
+              </a:solidFill>
+              <a:uFill>
+                <a:solidFill>
+                  <a:srgbClr val="ffffff"/>
+                </a:solidFill>
+              </a:uFill>
+              <a:latin typeface="Arial"/>
+            </a:endParaRPr>
+          </a:p>
+          <a:p>
+            <a:r>
+              <a:rPr b="0" lang="en-US" sz="1200" spc="-1" strike="noStrike">
+                <a:solidFill>
+                  <a:srgbClr val="000000"/>
+                </a:solidFill>
+                <a:uFill>
+                  <a:solidFill>
+                    <a:srgbClr val="ffffff"/>
+                  </a:solidFill>
+                </a:uFill>
+                <a:latin typeface="Noto Sans CJK KR Regular"/>
+                <a:ea typeface="Noto Sans CJK KR Regular"/>
+              </a:rPr>
+              <a:t>    </a:t>
+            </a:r>
+            <a:r>
+              <a:rPr b="0" lang="en-US" sz="1200" spc="-1" strike="noStrike">
+                <a:solidFill>
+                  <a:srgbClr val="000000"/>
+                </a:solidFill>
+                <a:uFill>
+                  <a:solidFill>
+                    <a:srgbClr val="ffffff"/>
+                  </a:solidFill>
+                </a:uFill>
+                <a:latin typeface="Noto Sans CJK KR Regular"/>
+                <a:ea typeface="Noto Sans CJK KR Regular"/>
+              </a:rPr>
+              <a:t>-1  </a:t>
+            </a:r>
+            <a:r>
+              <a:rPr b="0" lang="en-US" sz="1800" spc="-1" strike="noStrike">
+                <a:solidFill>
+                  <a:srgbClr val="000000"/>
+                </a:solidFill>
+                <a:uFill>
+                  <a:solidFill>
+                    <a:srgbClr val="ffffff"/>
+                  </a:solidFill>
+                </a:uFill>
+                <a:latin typeface="Arial"/>
+              </a:rPr>
+              <a:t> </a:t>
+            </a:r>
+            <a:endParaRPr b="0" lang="en-US" sz="1800" spc="-1" strike="noStrike">
+              <a:solidFill>
+                <a:srgbClr val="000000"/>
+              </a:solidFill>
+              <a:uFill>
+                <a:solidFill>
+                  <a:srgbClr val="ffffff"/>
+                </a:solidFill>
+              </a:uFill>
+              <a:latin typeface="Arial"/>
+            </a:endParaRPr>
+          </a:p>
+        </p:txBody>
+      </p:sp>
+    </p:spTree>
+  </p:cSld>
+  <p:timing>
+    <p:tnLst>
+      <p:par>
+        <p:cTn id="11" dur="indefinite" restart="never" nodeType="tmRoot">
+          <p:childTnLst>
+            <p:seq>
+              <p:cTn id="12" nodeType="mainSeq"/>
               <p:prevCondLst>
                 <p:cond delay="0" evt="onPrev">
                   <p:tgtEl>
@@ -10251,4 +13148,227 @@
     </a:fmtScheme>
   </a:themeElements>
 </a:theme>
+</file>
+
+<file path=ppt/theme/theme4.xml><?xml version="1.0" encoding="utf-8"?>
+<a:theme xmlns:a="http://schemas.openxmlformats.org/drawingml/2006/main" name="Office Theme">
+  <a:themeElements>
+    <a:clrScheme name="Office">
+      <a:dk1>
+        <a:sysClr val="windowText" lastClr="000000"/>
+      </a:dk1>
+      <a:lt1>
+        <a:sysClr val="window" lastClr="FFFFFF"/>
+      </a:lt1>
+      <a:dk2>
+        <a:srgbClr val="1F497D"/>
+      </a:dk2>
+      <a:lt2>
+        <a:srgbClr val="EEECE1"/>
+      </a:lt2>
+      <a:accent1>
+        <a:srgbClr val="4F81BD"/>
+      </a:accent1>
+      <a:accent2>
+        <a:srgbClr val="C0504D"/>
+      </a:accent2>
+      <a:accent3>
+        <a:srgbClr val="9BBB59"/>
+      </a:accent3>
+      <a:accent4>
+        <a:srgbClr val="8064A2"/>
+      </a:accent4>
+      <a:accent5>
+        <a:srgbClr val="4BACC6"/>
+      </a:accent5>
+      <a:accent6>
+        <a:srgbClr val="F79646"/>
+      </a:accent6>
+      <a:hlink>
+        <a:srgbClr val="0000FF"/>
+      </a:hlink>
+      <a:folHlink>
+        <a:srgbClr val="800080"/>
+      </a:folHlink>
+    </a:clrScheme>
+    <a:fontScheme name="Office">
+      <a:majorFont>
+        <a:latin typeface="Arial"/>
+        <a:ea typeface="DejaVu Sans"/>
+        <a:cs typeface="DejaVu Sans"/>
+      </a:majorFont>
+      <a:minorFont>
+        <a:latin typeface="Arial"/>
+        <a:ea typeface="DejaVu Sans"/>
+        <a:cs typeface="DejaVu Sans"/>
+      </a:minorFont>
+    </a:fontScheme>
+    <a:fmtScheme name="Office">
+      <a:fillStyleLst>
+        <a:solidFill>
+          <a:schemeClr val="phClr"/>
+        </a:solidFill>
+        <a:gradFill rotWithShape="1">
+          <a:gsLst>
+            <a:gs pos="0">
+              <a:schemeClr val="phClr">
+                <a:tint val="50000"/>
+                <a:satMod val="300000"/>
+              </a:schemeClr>
+            </a:gs>
+            <a:gs pos="35000">
+              <a:schemeClr val="phClr">
+                <a:tint val="37000"/>
+                <a:satMod val="300000"/>
+              </a:schemeClr>
+            </a:gs>
+            <a:gs pos="100000">
+              <a:schemeClr val="phClr">
+                <a:tint val="15000"/>
+                <a:satMod val="350000"/>
+              </a:schemeClr>
+            </a:gs>
+          </a:gsLst>
+          <a:lin ang="16200000" scaled="1"/>
+        </a:gradFill>
+        <a:gradFill rotWithShape="1">
+          <a:gsLst>
+            <a:gs pos="0">
+              <a:schemeClr val="phClr">
+                <a:shade val="51000"/>
+                <a:satMod val="130000"/>
+              </a:schemeClr>
+            </a:gs>
+            <a:gs pos="80000">
+              <a:schemeClr val="phClr">
+                <a:shade val="93000"/>
+                <a:satMod val="130000"/>
+              </a:schemeClr>
+            </a:gs>
+            <a:gs pos="100000">
+              <a:schemeClr val="phClr">
+                <a:shade val="94000"/>
+                <a:satMod val="135000"/>
+              </a:schemeClr>
+            </a:gs>
+          </a:gsLst>
+          <a:lin ang="16200000" scaled="0"/>
+        </a:gradFill>
+      </a:fillStyleLst>
+      <a:lnStyleLst>
+        <a:ln w="9525" cap="flat" cmpd="sng" algn="ctr">
+          <a:solidFill>
+            <a:schemeClr val="phClr">
+              <a:shade val="95000"/>
+              <a:satMod val="105000"/>
+            </a:schemeClr>
+          </a:solidFill>
+          <a:prstDash val="solid"/>
+        </a:ln>
+        <a:ln w="25400" cap="flat" cmpd="sng" algn="ctr">
+          <a:solidFill>
+            <a:schemeClr val="phClr"/>
+          </a:solidFill>
+          <a:prstDash val="solid"/>
+        </a:ln>
+        <a:ln w="38100" cap="flat" cmpd="sng" algn="ctr">
+          <a:solidFill>
+            <a:schemeClr val="phClr"/>
+          </a:solidFill>
+          <a:prstDash val="solid"/>
+        </a:ln>
+      </a:lnStyleLst>
+      <a:effectStyleLst>
+        <a:effectStyle>
+          <a:effectLst>
+            <a:outerShdw blurRad="40000" dist="20000" dir="5400000" rotWithShape="0">
+              <a:srgbClr val="000000">
+                <a:alpha val="38000"/>
+              </a:srgbClr>
+            </a:outerShdw>
+          </a:effectLst>
+        </a:effectStyle>
+        <a:effectStyle>
+          <a:effectLst>
+            <a:outerShdw blurRad="40000" dist="23000" dir="5400000" rotWithShape="0">
+              <a:srgbClr val="000000">
+                <a:alpha val="35000"/>
+              </a:srgbClr>
+            </a:outerShdw>
+          </a:effectLst>
+        </a:effectStyle>
+        <a:effectStyle>
+          <a:effectLst>
+            <a:outerShdw blurRad="40000" dist="23000" dir="5400000" rotWithShape="0">
+              <a:srgbClr val="000000">
+                <a:alpha val="35000"/>
+              </a:srgbClr>
+            </a:outerShdw>
+          </a:effectLst>
+          <a:scene3d>
+            <a:camera prst="orthographicFront">
+              <a:rot lat="0" lon="0" rev="0"/>
+            </a:camera>
+            <a:lightRig rig="threePt" dir="t">
+              <a:rot lat="0" lon="0" rev="1200000"/>
+            </a:lightRig>
+          </a:scene3d>
+          <a:sp3d>
+            <a:bevelT w="63500" h="25400"/>
+          </a:sp3d>
+        </a:effectStyle>
+      </a:effectStyleLst>
+      <a:bgFillStyleLst>
+        <a:solidFill>
+          <a:schemeClr val="phClr"/>
+        </a:solidFill>
+        <a:gradFill rotWithShape="1">
+          <a:gsLst>
+            <a:gs pos="0">
+              <a:schemeClr val="phClr">
+                <a:tint val="40000"/>
+                <a:satMod val="350000"/>
+              </a:schemeClr>
+            </a:gs>
+            <a:gs pos="40000">
+              <a:schemeClr val="phClr">
+                <a:tint val="45000"/>
+                <a:shade val="99000"/>
+                <a:satMod val="350000"/>
+              </a:schemeClr>
+            </a:gs>
+            <a:gs pos="100000">
+              <a:schemeClr val="phClr">
+                <a:shade val="20000"/>
+                <a:satMod val="255000"/>
+              </a:schemeClr>
+            </a:gs>
+          </a:gsLst>
+          <a:path path="circle">
+            <a:fillToRect l="50000" t="-80000" r="50000" b="180000"/>
+          </a:path>
+        </a:gradFill>
+        <a:gradFill rotWithShape="1">
+          <a:gsLst>
+            <a:gs pos="0">
+              <a:schemeClr val="phClr">
+                <a:tint val="80000"/>
+                <a:satMod val="300000"/>
+              </a:schemeClr>
+            </a:gs>
+            <a:gs pos="100000">
+              <a:schemeClr val="phClr">
+                <a:shade val="30000"/>
+                <a:satMod val="200000"/>
+              </a:schemeClr>
+            </a:gs>
+          </a:gsLst>
+          <a:path path="circle">
+            <a:fillToRect l="50000" t="50000" r="50000" b="50000"/>
+          </a:path>
+        </a:gradFill>
+      </a:bgFillStyleLst>
+    </a:fmtScheme>
+  </a:themeElements>
+</a:theme>
 </file>